--- a/IdentityServerDemo/IdentityServer.pptx
+++ b/IdentityServerDemo/IdentityServer.pptx
@@ -5,7 +5,16 @@
     <p:sldMasterId id="2147483648" r:id="rId1"/>
   </p:sldMasterIdLst>
   <p:sldIdLst>
-    <p:sldId id="256" r:id="rId2"/>
+    <p:sldId id="257" r:id="rId2"/>
+    <p:sldId id="258" r:id="rId3"/>
+    <p:sldId id="259" r:id="rId4"/>
+    <p:sldId id="260" r:id="rId5"/>
+    <p:sldId id="261" r:id="rId6"/>
+    <p:sldId id="262" r:id="rId7"/>
+    <p:sldId id="263" r:id="rId8"/>
+    <p:sldId id="264" r:id="rId9"/>
+    <p:sldId id="265" r:id="rId10"/>
+    <p:sldId id="266" r:id="rId11"/>
   </p:sldIdLst>
   <p:sldSz cx="12192000" cy="6858000"/>
   <p:notesSz cx="6858000" cy="9144000"/>
@@ -104,6 +113,11 @@
       </a:defRPr>
     </a:lvl9pPr>
   </p:defaultTextStyle>
+  <p:extLst>
+    <p:ext uri="{EFAFB233-063F-42B5-8137-9DF3F51BA10A}">
+      <p15:sldGuideLst xmlns:p15="http://schemas.microsoft.com/office/powerpoint/2012/main"/>
+    </p:ext>
+  </p:extLst>
 </p:presentation>
 </file>
 
@@ -152,7 +166,6 @@
               <a:rPr lang="en-US"/>
               <a:t>Click to edit Master title style</a:t>
             </a:r>
-            <a:endParaRPr lang="en-US"/>
           </a:p>
         </p:txBody>
       </p:sp>
@@ -217,7 +230,6 @@
               <a:rPr lang="en-US"/>
               <a:t>Click to edit Master subtitle style</a:t>
             </a:r>
-            <a:endParaRPr lang="en-US"/>
           </a:p>
         </p:txBody>
       </p:sp>
@@ -335,7 +347,6 @@
               <a:rPr lang="en-US"/>
               <a:t>Click to edit Master title style</a:t>
             </a:r>
-            <a:endParaRPr lang="en-US"/>
           </a:p>
         </p:txBody>
       </p:sp>
@@ -387,7 +398,6 @@
               <a:rPr lang="en-US"/>
               <a:t>Fifth level</a:t>
             </a:r>
-            <a:endParaRPr lang="en-US"/>
           </a:p>
         </p:txBody>
       </p:sp>
@@ -510,7 +520,6 @@
               <a:rPr lang="en-US"/>
               <a:t>Click to edit Master title style</a:t>
             </a:r>
-            <a:endParaRPr lang="en-US"/>
           </a:p>
         </p:txBody>
       </p:sp>
@@ -567,7 +576,6 @@
               <a:rPr lang="en-US"/>
               <a:t>Fifth level</a:t>
             </a:r>
-            <a:endParaRPr lang="en-US"/>
           </a:p>
         </p:txBody>
       </p:sp>
@@ -640,6 +648,228 @@
     <p:extLst>
       <p:ext uri="{BB962C8B-B14F-4D97-AF65-F5344CB8AC3E}">
         <p14:creationId xmlns:p14="http://schemas.microsoft.com/office/powerpoint/2010/main" val="3539778657"/>
+      </p:ext>
+    </p:extLst>
+  </p:cSld>
+  <p:clrMapOvr>
+    <a:masterClrMapping/>
+  </p:clrMapOvr>
+</p:sldLayout>
+</file>
+
+<file path=ppt/slideLayouts/slideLayout12.xml><?xml version="1.0" encoding="utf-8"?>
+<p:sldLayout xmlns:a="http://schemas.openxmlformats.org/drawingml/2006/main" xmlns:r="http://schemas.openxmlformats.org/officeDocument/2006/relationships" xmlns:p="http://schemas.openxmlformats.org/presentationml/2006/main" userDrawn="1">
+  <p:cSld name="1_Title Slide">
+    <p:bg>
+      <p:bgPr>
+        <a:blipFill dpi="0" rotWithShape="1">
+          <a:blip r:embed="rId2">
+            <a:lum/>
+          </a:blip>
+          <a:srcRect/>
+          <a:stretch>
+            <a:fillRect/>
+          </a:stretch>
+        </a:blipFill>
+        <a:effectLst/>
+      </p:bgPr>
+    </p:bg>
+    <p:spTree>
+      <p:nvGrpSpPr>
+        <p:cNvPr id="1" name=""/>
+        <p:cNvGrpSpPr/>
+        <p:nvPr/>
+      </p:nvGrpSpPr>
+      <p:grpSpPr>
+        <a:xfrm>
+          <a:off x="0" y="0"/>
+          <a:ext cx="0" cy="0"/>
+          <a:chOff x="0" y="0"/>
+          <a:chExt cx="0" cy="0"/>
+        </a:xfrm>
+      </p:grpSpPr>
+    </p:spTree>
+    <p:extLst>
+      <p:ext uri="{BB962C8B-B14F-4D97-AF65-F5344CB8AC3E}">
+        <p14:creationId xmlns:p14="http://schemas.microsoft.com/office/powerpoint/2010/main" val="4225838358"/>
+      </p:ext>
+    </p:extLst>
+  </p:cSld>
+  <p:clrMapOvr>
+    <a:masterClrMapping/>
+  </p:clrMapOvr>
+</p:sldLayout>
+</file>
+
+<file path=ppt/slideLayouts/slideLayout13.xml><?xml version="1.0" encoding="utf-8"?>
+<p:sldLayout xmlns:a="http://schemas.openxmlformats.org/drawingml/2006/main" xmlns:r="http://schemas.openxmlformats.org/officeDocument/2006/relationships" xmlns:p="http://schemas.openxmlformats.org/presentationml/2006/main" userDrawn="1">
+  <p:cSld name="1_Title and Content">
+    <p:bg>
+      <p:bgPr>
+        <a:blipFill dpi="0" rotWithShape="1">
+          <a:blip r:embed="rId2">
+            <a:lum/>
+          </a:blip>
+          <a:srcRect/>
+          <a:stretch>
+            <a:fillRect/>
+          </a:stretch>
+        </a:blipFill>
+        <a:effectLst/>
+      </p:bgPr>
+    </p:bg>
+    <p:spTree>
+      <p:nvGrpSpPr>
+        <p:cNvPr id="1" name=""/>
+        <p:cNvGrpSpPr/>
+        <p:nvPr/>
+      </p:nvGrpSpPr>
+      <p:grpSpPr>
+        <a:xfrm>
+          <a:off x="0" y="0"/>
+          <a:ext cx="0" cy="0"/>
+          <a:chOff x="0" y="0"/>
+          <a:chExt cx="0" cy="0"/>
+        </a:xfrm>
+      </p:grpSpPr>
+      <p:sp>
+        <p:nvSpPr>
+          <p:cNvPr id="2" name="Title 1"/>
+          <p:cNvSpPr>
+            <a:spLocks noGrp="1"/>
+          </p:cNvSpPr>
+          <p:nvPr>
+            <p:ph type="title" hasCustomPrompt="1"/>
+          </p:nvPr>
+        </p:nvSpPr>
+        <p:spPr>
+          <a:xfrm>
+            <a:off x="0" y="0"/>
+            <a:ext cx="12192000" cy="1179288"/>
+          </a:xfrm>
+          <a:prstGeom prst="rect">
+            <a:avLst/>
+          </a:prstGeom>
+        </p:spPr>
+        <p:txBody>
+          <a:bodyPr anchor="ctr"/>
+          <a:lstStyle>
+            <a:lvl1pPr algn="l">
+              <a:defRPr>
+                <a:solidFill>
+                  <a:schemeClr val="tx1">
+                    <a:lumMod val="75000"/>
+                    <a:lumOff val="25000"/>
+                  </a:schemeClr>
+                </a:solidFill>
+                <a:latin typeface="Arial" pitchFamily="34" charset="0"/>
+                <a:cs typeface="Arial" pitchFamily="34" charset="0"/>
+              </a:defRPr>
+            </a:lvl1pPr>
+          </a:lstStyle>
+          <a:p>
+            <a:r>
+              <a:rPr lang="en-US" altLang="ko-KR" dirty="0"/>
+              <a:t> Free PPT _ Click to add title</a:t>
+            </a:r>
+            <a:endParaRPr lang="ko-KR" altLang="en-US" dirty="0"/>
+          </a:p>
+        </p:txBody>
+      </p:sp>
+      <p:sp>
+        <p:nvSpPr>
+          <p:cNvPr id="4" name="Content Placeholder 2"/>
+          <p:cNvSpPr>
+            <a:spLocks noGrp="1"/>
+          </p:cNvSpPr>
+          <p:nvPr>
+            <p:ph idx="1"/>
+          </p:nvPr>
+        </p:nvSpPr>
+        <p:spPr>
+          <a:xfrm>
+            <a:off x="527381" y="1508787"/>
+            <a:ext cx="11329259" cy="614197"/>
+          </a:xfrm>
+          <a:prstGeom prst="rect">
+            <a:avLst/>
+          </a:prstGeom>
+        </p:spPr>
+        <p:txBody>
+          <a:bodyPr anchor="ctr"/>
+          <a:lstStyle>
+            <a:lvl1pPr marL="0" indent="0">
+              <a:buNone/>
+              <a:defRPr sz="2667">
+                <a:solidFill>
+                  <a:schemeClr val="tx1">
+                    <a:lumMod val="75000"/>
+                    <a:lumOff val="25000"/>
+                  </a:schemeClr>
+                </a:solidFill>
+                <a:latin typeface="Arial" pitchFamily="34" charset="0"/>
+                <a:cs typeface="Arial" pitchFamily="34" charset="0"/>
+              </a:defRPr>
+            </a:lvl1pPr>
+          </a:lstStyle>
+          <a:p>
+            <a:pPr lvl="0"/>
+            <a:r>
+              <a:rPr lang="en-US" altLang="ko-KR" dirty="0"/>
+              <a:t>Click to edit Master text styles</a:t>
+            </a:r>
+          </a:p>
+        </p:txBody>
+      </p:sp>
+      <p:sp>
+        <p:nvSpPr>
+          <p:cNvPr id="5" name="Content Placeholder 2"/>
+          <p:cNvSpPr>
+            <a:spLocks noGrp="1"/>
+          </p:cNvSpPr>
+          <p:nvPr>
+            <p:ph idx="10"/>
+          </p:nvPr>
+        </p:nvSpPr>
+        <p:spPr>
+          <a:xfrm>
+            <a:off x="541173" y="2411015"/>
+            <a:ext cx="11329259" cy="3994316"/>
+          </a:xfrm>
+          <a:prstGeom prst="rect">
+            <a:avLst/>
+          </a:prstGeom>
+        </p:spPr>
+        <p:txBody>
+          <a:bodyPr lIns="396000" anchor="t"/>
+          <a:lstStyle>
+            <a:lvl1pPr marL="0" indent="0">
+              <a:buNone/>
+              <a:defRPr sz="1867">
+                <a:solidFill>
+                  <a:schemeClr val="tx1">
+                    <a:lumMod val="75000"/>
+                    <a:lumOff val="25000"/>
+                  </a:schemeClr>
+                </a:solidFill>
+                <a:latin typeface="Arial" pitchFamily="34" charset="0"/>
+                <a:cs typeface="Arial" pitchFamily="34" charset="0"/>
+              </a:defRPr>
+            </a:lvl1pPr>
+          </a:lstStyle>
+          <a:p>
+            <a:pPr lvl="0"/>
+            <a:r>
+              <a:rPr lang="en-US" altLang="ko-KR" dirty="0"/>
+              <a:t>Click to edit Master text styles</a:t>
+            </a:r>
+          </a:p>
+        </p:txBody>
+      </p:sp>
+    </p:spTree>
+    <p:extLst>
+      <p:ext uri="{BB962C8B-B14F-4D97-AF65-F5344CB8AC3E}">
+        <p14:creationId xmlns:p14="http://schemas.microsoft.com/office/powerpoint/2010/main" val="2498982113"/>
       </p:ext>
     </p:extLst>
   </p:cSld>
@@ -685,7 +915,6 @@
               <a:rPr lang="en-US"/>
               <a:t>Click to edit Master title style</a:t>
             </a:r>
-            <a:endParaRPr lang="en-US"/>
           </a:p>
         </p:txBody>
       </p:sp>
@@ -737,7 +966,6 @@
               <a:rPr lang="en-US"/>
               <a:t>Fifth level</a:t>
             </a:r>
-            <a:endParaRPr lang="en-US"/>
           </a:p>
         </p:txBody>
       </p:sp>
@@ -864,7 +1092,6 @@
               <a:rPr lang="en-US"/>
               <a:t>Click to edit Master title style</a:t>
             </a:r>
-            <a:endParaRPr lang="en-US"/>
           </a:p>
         </p:txBody>
       </p:sp>
@@ -1101,7 +1328,6 @@
               <a:rPr lang="en-US"/>
               <a:t>Click to edit Master title style</a:t>
             </a:r>
-            <a:endParaRPr lang="en-US"/>
           </a:p>
         </p:txBody>
       </p:sp>
@@ -1158,7 +1384,6 @@
               <a:rPr lang="en-US"/>
               <a:t>Fifth level</a:t>
             </a:r>
-            <a:endParaRPr lang="en-US"/>
           </a:p>
         </p:txBody>
       </p:sp>
@@ -1215,7 +1440,6 @@
               <a:rPr lang="en-US"/>
               <a:t>Fifth level</a:t>
             </a:r>
-            <a:endParaRPr lang="en-US"/>
           </a:p>
         </p:txBody>
       </p:sp>
@@ -1338,7 +1562,6 @@
               <a:rPr lang="en-US"/>
               <a:t>Click to edit Master title style</a:t>
             </a:r>
-            <a:endParaRPr lang="en-US"/>
           </a:p>
         </p:txBody>
       </p:sp>
@@ -1460,7 +1683,6 @@
               <a:rPr lang="en-US"/>
               <a:t>Fifth level</a:t>
             </a:r>
-            <a:endParaRPr lang="en-US"/>
           </a:p>
         </p:txBody>
       </p:sp>
@@ -1582,7 +1804,6 @@
               <a:rPr lang="en-US"/>
               <a:t>Fifth level</a:t>
             </a:r>
-            <a:endParaRPr lang="en-US"/>
           </a:p>
         </p:txBody>
       </p:sp>
@@ -1700,7 +1921,6 @@
               <a:rPr lang="en-US"/>
               <a:t>Click to edit Master title style</a:t>
             </a:r>
-            <a:endParaRPr lang="en-US"/>
           </a:p>
         </p:txBody>
       </p:sp>
@@ -1922,7 +2142,6 @@
               <a:rPr lang="en-US"/>
               <a:t>Click to edit Master title style</a:t>
             </a:r>
-            <a:endParaRPr lang="en-US"/>
           </a:p>
         </p:txBody>
       </p:sp>
@@ -2007,7 +2226,6 @@
               <a:rPr lang="en-US"/>
               <a:t>Fifth level</a:t>
             </a:r>
-            <a:endParaRPr lang="en-US"/>
           </a:p>
         </p:txBody>
       </p:sp>
@@ -2199,7 +2417,6 @@
               <a:rPr lang="en-US"/>
               <a:t>Click to edit Master title style</a:t>
             </a:r>
-            <a:endParaRPr lang="en-US"/>
           </a:p>
         </p:txBody>
       </p:sp>
@@ -2458,7 +2675,6 @@
               <a:rPr lang="en-US"/>
               <a:t>Click to edit Master title style</a:t>
             </a:r>
-            <a:endParaRPr lang="en-US"/>
           </a:p>
         </p:txBody>
       </p:sp>
@@ -2520,7 +2736,6 @@
               <a:rPr lang="en-US"/>
               <a:t>Fifth level</a:t>
             </a:r>
-            <a:endParaRPr lang="en-US"/>
           </a:p>
         </p:txBody>
       </p:sp>
@@ -2663,6 +2878,8 @@
     <p:sldLayoutId id="2147483657" r:id="rId9"/>
     <p:sldLayoutId id="2147483658" r:id="rId10"/>
     <p:sldLayoutId id="2147483659" r:id="rId11"/>
+    <p:sldLayoutId id="2147483660" r:id="rId12"/>
+    <p:sldLayoutId id="2147483661" r:id="rId13"/>
   </p:sldLayoutIdLst>
   <p:txStyles>
     <p:titleStyle>
@@ -2964,10 +3181,1150 @@
           <a:chExt cx="0" cy="0"/>
         </a:xfrm>
       </p:grpSpPr>
+      <p:sp>
+        <p:nvSpPr>
+          <p:cNvPr id="4" name="TextBox 3"/>
+          <p:cNvSpPr txBox="1"/>
+          <p:nvPr/>
+        </p:nvSpPr>
+        <p:spPr>
+          <a:xfrm>
+            <a:off x="588453" y="3910937"/>
+            <a:ext cx="4812222" cy="307777"/>
+          </a:xfrm>
+          <a:prstGeom prst="rect">
+            <a:avLst/>
+          </a:prstGeom>
+          <a:noFill/>
+        </p:spPr>
+        <p:txBody>
+          <a:bodyPr wrap="square">
+            <a:spAutoFit/>
+          </a:bodyPr>
+          <a:lstStyle/>
+          <a:p>
+            <a:pPr>
+              <a:defRPr/>
+            </a:pPr>
+            <a:r>
+              <a:rPr lang="en-US" altLang="ko-KR" sz="1400" b="1" dirty="0">
+                <a:solidFill>
+                  <a:schemeClr val="tx1">
+                    <a:lumMod val="75000"/>
+                    <a:lumOff val="25000"/>
+                  </a:schemeClr>
+                </a:solidFill>
+                <a:latin typeface="Arial" pitchFamily="34" charset="0"/>
+                <a:cs typeface="Arial" pitchFamily="34" charset="0"/>
+              </a:rPr>
+              <a:t>The Open Source OpenID Connect (OIDC) Framework</a:t>
+            </a:r>
+          </a:p>
+        </p:txBody>
+      </p:sp>
+      <p:pic>
+        <p:nvPicPr>
+          <p:cNvPr id="3" name="Picture 2"/>
+          <p:cNvPicPr>
+            <a:picLocks noChangeAspect="1"/>
+          </p:cNvPicPr>
+          <p:nvPr/>
+        </p:nvPicPr>
+        <p:blipFill>
+          <a:blip r:embed="rId2">
+            <a:extLst>
+              <a:ext uri="{28A0092B-C50C-407E-A947-70E740481C1C}">
+                <a14:useLocalDpi xmlns:a14="http://schemas.microsoft.com/office/drawing/2010/main" val="0"/>
+              </a:ext>
+            </a:extLst>
+          </a:blip>
+          <a:stretch>
+            <a:fillRect/>
+          </a:stretch>
+        </p:blipFill>
+        <p:spPr>
+          <a:xfrm>
+            <a:off x="1182338" y="1184183"/>
+            <a:ext cx="3272303" cy="2590573"/>
+          </a:xfrm>
+          <a:prstGeom prst="rect">
+            <a:avLst/>
+          </a:prstGeom>
+        </p:spPr>
+      </p:pic>
     </p:spTree>
     <p:extLst>
       <p:ext uri="{BB962C8B-B14F-4D97-AF65-F5344CB8AC3E}">
-        <p14:creationId xmlns:p14="http://schemas.microsoft.com/office/powerpoint/2010/main" val="3993481226"/>
+        <p14:creationId xmlns:p14="http://schemas.microsoft.com/office/powerpoint/2010/main" val="303447833"/>
+      </p:ext>
+    </p:extLst>
+  </p:cSld>
+  <p:clrMapOvr>
+    <a:masterClrMapping/>
+  </p:clrMapOvr>
+</p:sld>
+</file>
+
+<file path=ppt/slides/slide10.xml><?xml version="1.0" encoding="utf-8"?>
+<p:sld xmlns:a="http://schemas.openxmlformats.org/drawingml/2006/main" xmlns:r="http://schemas.openxmlformats.org/officeDocument/2006/relationships" xmlns:p="http://schemas.openxmlformats.org/presentationml/2006/main">
+  <p:cSld>
+    <p:spTree>
+      <p:nvGrpSpPr>
+        <p:cNvPr id="1" name=""/>
+        <p:cNvGrpSpPr/>
+        <p:nvPr/>
+      </p:nvGrpSpPr>
+      <p:grpSpPr>
+        <a:xfrm>
+          <a:off x="0" y="0"/>
+          <a:ext cx="0" cy="0"/>
+          <a:chOff x="0" y="0"/>
+          <a:chExt cx="0" cy="0"/>
+        </a:xfrm>
+      </p:grpSpPr>
+      <p:sp>
+        <p:nvSpPr>
+          <p:cNvPr id="3" name="Title 2"/>
+          <p:cNvSpPr>
+            <a:spLocks noGrp="1"/>
+          </p:cNvSpPr>
+          <p:nvPr>
+            <p:ph type="title"/>
+          </p:nvPr>
+        </p:nvSpPr>
+        <p:spPr>
+          <a:xfrm>
+            <a:off x="457200" y="33338"/>
+            <a:ext cx="9329738" cy="1145950"/>
+          </a:xfrm>
+        </p:spPr>
+        <p:txBody>
+          <a:bodyPr/>
+          <a:lstStyle/>
+          <a:p>
+            <a:r>
+              <a:rPr lang="en-US" dirty="0"/>
+              <a:t>Code</a:t>
+            </a:r>
+          </a:p>
+        </p:txBody>
+      </p:sp>
+      <p:pic>
+        <p:nvPicPr>
+          <p:cNvPr id="6" name="Picture 5"/>
+          <p:cNvPicPr>
+            <a:picLocks noChangeAspect="1"/>
+          </p:cNvPicPr>
+          <p:nvPr/>
+        </p:nvPicPr>
+        <p:blipFill>
+          <a:blip r:embed="rId2">
+            <a:extLst>
+              <a:ext uri="{28A0092B-C50C-407E-A947-70E740481C1C}">
+                <a14:useLocalDpi xmlns:a14="http://schemas.microsoft.com/office/drawing/2010/main" val="0"/>
+              </a:ext>
+            </a:extLst>
+          </a:blip>
+          <a:stretch>
+            <a:fillRect/>
+          </a:stretch>
+        </p:blipFill>
+        <p:spPr>
+          <a:xfrm>
+            <a:off x="9977723" y="271048"/>
+            <a:ext cx="785527" cy="621875"/>
+          </a:xfrm>
+          <a:prstGeom prst="rect">
+            <a:avLst/>
+          </a:prstGeom>
+        </p:spPr>
+      </p:pic>
+      <p:pic>
+        <p:nvPicPr>
+          <p:cNvPr id="1026" name="Picture 2" descr="https://coderdojo.com/wp-content/uploads/2015/09/Coding.jpg"/>
+          <p:cNvPicPr>
+            <a:picLocks noChangeAspect="1" noChangeArrowheads="1"/>
+          </p:cNvPicPr>
+          <p:nvPr/>
+        </p:nvPicPr>
+        <p:blipFill>
+          <a:blip r:embed="rId3">
+            <a:lum bright="70000" contrast="-70000"/>
+            <a:extLst>
+              <a:ext uri="{28A0092B-C50C-407E-A947-70E740481C1C}">
+                <a14:useLocalDpi xmlns:a14="http://schemas.microsoft.com/office/drawing/2010/main" val="0"/>
+              </a:ext>
+            </a:extLst>
+          </a:blip>
+          <a:srcRect/>
+          <a:stretch>
+            <a:fillRect/>
+          </a:stretch>
+        </p:blipFill>
+        <p:spPr bwMode="auto">
+          <a:xfrm>
+            <a:off x="0" y="1207864"/>
+            <a:ext cx="12192000" cy="5650136"/>
+          </a:xfrm>
+          <a:prstGeom prst="rect">
+            <a:avLst/>
+          </a:prstGeom>
+          <a:noFill/>
+          <a:extLst>
+            <a:ext uri="{909E8E84-426E-40DD-AFC4-6F175D3DCCD1}">
+              <a14:hiddenFill xmlns:a14="http://schemas.microsoft.com/office/drawing/2010/main">
+                <a:solidFill>
+                  <a:srgbClr val="FFFFFF"/>
+                </a:solidFill>
+              </a14:hiddenFill>
+            </a:ext>
+          </a:extLst>
+        </p:spPr>
+      </p:pic>
+    </p:spTree>
+    <p:extLst>
+      <p:ext uri="{BB962C8B-B14F-4D97-AF65-F5344CB8AC3E}">
+        <p14:creationId xmlns:p14="http://schemas.microsoft.com/office/powerpoint/2010/main" val="1440110388"/>
+      </p:ext>
+    </p:extLst>
+  </p:cSld>
+  <p:clrMapOvr>
+    <a:masterClrMapping/>
+  </p:clrMapOvr>
+</p:sld>
+</file>
+
+<file path=ppt/slides/slide2.xml><?xml version="1.0" encoding="utf-8"?>
+<p:sld xmlns:a="http://schemas.openxmlformats.org/drawingml/2006/main" xmlns:r="http://schemas.openxmlformats.org/officeDocument/2006/relationships" xmlns:p="http://schemas.openxmlformats.org/presentationml/2006/main">
+  <p:cSld>
+    <p:spTree>
+      <p:nvGrpSpPr>
+        <p:cNvPr id="1" name=""/>
+        <p:cNvGrpSpPr/>
+        <p:nvPr/>
+      </p:nvGrpSpPr>
+      <p:grpSpPr>
+        <a:xfrm>
+          <a:off x="0" y="0"/>
+          <a:ext cx="0" cy="0"/>
+          <a:chOff x="0" y="0"/>
+          <a:chExt cx="0" cy="0"/>
+        </a:xfrm>
+      </p:grpSpPr>
+      <p:sp>
+        <p:nvSpPr>
+          <p:cNvPr id="3" name="Title 2"/>
+          <p:cNvSpPr>
+            <a:spLocks noGrp="1"/>
+          </p:cNvSpPr>
+          <p:nvPr>
+            <p:ph type="title"/>
+          </p:nvPr>
+        </p:nvSpPr>
+        <p:spPr>
+          <a:xfrm>
+            <a:off x="457200" y="33338"/>
+            <a:ext cx="9329738" cy="1145950"/>
+          </a:xfrm>
+        </p:spPr>
+        <p:txBody>
+          <a:bodyPr/>
+          <a:lstStyle/>
+          <a:p>
+            <a:r>
+              <a:rPr lang="en-US" dirty="0"/>
+              <a:t>Outline</a:t>
+            </a:r>
+          </a:p>
+        </p:txBody>
+      </p:sp>
+      <p:pic>
+        <p:nvPicPr>
+          <p:cNvPr id="6" name="Picture 5"/>
+          <p:cNvPicPr>
+            <a:picLocks noChangeAspect="1"/>
+          </p:cNvPicPr>
+          <p:nvPr/>
+        </p:nvPicPr>
+        <p:blipFill>
+          <a:blip r:embed="rId2">
+            <a:extLst>
+              <a:ext uri="{28A0092B-C50C-407E-A947-70E740481C1C}">
+                <a14:useLocalDpi xmlns:a14="http://schemas.microsoft.com/office/drawing/2010/main" val="0"/>
+              </a:ext>
+            </a:extLst>
+          </a:blip>
+          <a:stretch>
+            <a:fillRect/>
+          </a:stretch>
+        </p:blipFill>
+        <p:spPr>
+          <a:xfrm>
+            <a:off x="9977723" y="271048"/>
+            <a:ext cx="785527" cy="621875"/>
+          </a:xfrm>
+          <a:prstGeom prst="rect">
+            <a:avLst/>
+          </a:prstGeom>
+        </p:spPr>
+      </p:pic>
+      <p:sp>
+        <p:nvSpPr>
+          <p:cNvPr id="10" name="TextBox 9"/>
+          <p:cNvSpPr txBox="1"/>
+          <p:nvPr/>
+        </p:nvSpPr>
+        <p:spPr>
+          <a:xfrm>
+            <a:off x="523875" y="1462088"/>
+            <a:ext cx="11025188" cy="646331"/>
+          </a:xfrm>
+          <a:prstGeom prst="rect">
+            <a:avLst/>
+          </a:prstGeom>
+          <a:noFill/>
+        </p:spPr>
+        <p:txBody>
+          <a:bodyPr wrap="square" rtlCol="0">
+            <a:spAutoFit/>
+          </a:bodyPr>
+          <a:lstStyle/>
+          <a:p>
+            <a:r>
+              <a:rPr lang="en-US" dirty="0"/>
+              <a:t>Motivate IdentityServer3</a:t>
+            </a:r>
+          </a:p>
+          <a:p>
+            <a:r>
+              <a:rPr lang="en-US" dirty="0"/>
+              <a:t>Hosting, Configuring and running IdentityServer3</a:t>
+            </a:r>
+          </a:p>
+        </p:txBody>
+      </p:sp>
+    </p:spTree>
+    <p:extLst>
+      <p:ext uri="{BB962C8B-B14F-4D97-AF65-F5344CB8AC3E}">
+        <p14:creationId xmlns:p14="http://schemas.microsoft.com/office/powerpoint/2010/main" val="2090594489"/>
+      </p:ext>
+    </p:extLst>
+  </p:cSld>
+  <p:clrMapOvr>
+    <a:masterClrMapping/>
+  </p:clrMapOvr>
+</p:sld>
+</file>
+
+<file path=ppt/slides/slide3.xml><?xml version="1.0" encoding="utf-8"?>
+<p:sld xmlns:a="http://schemas.openxmlformats.org/drawingml/2006/main" xmlns:r="http://schemas.openxmlformats.org/officeDocument/2006/relationships" xmlns:p="http://schemas.openxmlformats.org/presentationml/2006/main">
+  <p:cSld>
+    <p:spTree>
+      <p:nvGrpSpPr>
+        <p:cNvPr id="1" name=""/>
+        <p:cNvGrpSpPr/>
+        <p:nvPr/>
+      </p:nvGrpSpPr>
+      <p:grpSpPr>
+        <a:xfrm>
+          <a:off x="0" y="0"/>
+          <a:ext cx="0" cy="0"/>
+          <a:chOff x="0" y="0"/>
+          <a:chExt cx="0" cy="0"/>
+        </a:xfrm>
+      </p:grpSpPr>
+      <p:sp>
+        <p:nvSpPr>
+          <p:cNvPr id="3" name="Title 2"/>
+          <p:cNvSpPr>
+            <a:spLocks noGrp="1"/>
+          </p:cNvSpPr>
+          <p:nvPr>
+            <p:ph type="title"/>
+          </p:nvPr>
+        </p:nvSpPr>
+        <p:spPr>
+          <a:xfrm>
+            <a:off x="457200" y="33338"/>
+            <a:ext cx="9329738" cy="1145950"/>
+          </a:xfrm>
+        </p:spPr>
+        <p:txBody>
+          <a:bodyPr/>
+          <a:lstStyle/>
+          <a:p>
+            <a:r>
+              <a:rPr lang="en-US" dirty="0"/>
+              <a:t>What is IdentityServer?</a:t>
+            </a:r>
+          </a:p>
+        </p:txBody>
+      </p:sp>
+      <p:pic>
+        <p:nvPicPr>
+          <p:cNvPr id="6" name="Picture 5"/>
+          <p:cNvPicPr>
+            <a:picLocks noChangeAspect="1"/>
+          </p:cNvPicPr>
+          <p:nvPr/>
+        </p:nvPicPr>
+        <p:blipFill>
+          <a:blip r:embed="rId2">
+            <a:extLst>
+              <a:ext uri="{28A0092B-C50C-407E-A947-70E740481C1C}">
+                <a14:useLocalDpi xmlns:a14="http://schemas.microsoft.com/office/drawing/2010/main" val="0"/>
+              </a:ext>
+            </a:extLst>
+          </a:blip>
+          <a:stretch>
+            <a:fillRect/>
+          </a:stretch>
+        </p:blipFill>
+        <p:spPr>
+          <a:xfrm>
+            <a:off x="9977723" y="271048"/>
+            <a:ext cx="785527" cy="621875"/>
+          </a:xfrm>
+          <a:prstGeom prst="rect">
+            <a:avLst/>
+          </a:prstGeom>
+        </p:spPr>
+      </p:pic>
+      <p:sp>
+        <p:nvSpPr>
+          <p:cNvPr id="10" name="TextBox 9"/>
+          <p:cNvSpPr txBox="1"/>
+          <p:nvPr/>
+        </p:nvSpPr>
+        <p:spPr>
+          <a:xfrm>
+            <a:off x="523875" y="1462088"/>
+            <a:ext cx="11025188" cy="923330"/>
+          </a:xfrm>
+          <a:prstGeom prst="rect">
+            <a:avLst/>
+          </a:prstGeom>
+          <a:noFill/>
+        </p:spPr>
+        <p:txBody>
+          <a:bodyPr wrap="square" rtlCol="0">
+            <a:spAutoFit/>
+          </a:bodyPr>
+          <a:lstStyle/>
+          <a:p>
+            <a:r>
+              <a:rPr lang="en-US" dirty="0"/>
+              <a:t>Framework for building application security</a:t>
+            </a:r>
+          </a:p>
+          <a:p>
+            <a:r>
+              <a:rPr lang="en-US" dirty="0"/>
+              <a:t>Single Sign-On (SSO)</a:t>
+            </a:r>
+          </a:p>
+          <a:p>
+            <a:r>
+              <a:rPr lang="en-US" dirty="0"/>
+              <a:t>Protecting Web APIs</a:t>
+            </a:r>
+          </a:p>
+        </p:txBody>
+      </p:sp>
+      <p:pic>
+        <p:nvPicPr>
+          <p:cNvPr id="2" name="Picture 1"/>
+          <p:cNvPicPr>
+            <a:picLocks noChangeAspect="1"/>
+          </p:cNvPicPr>
+          <p:nvPr/>
+        </p:nvPicPr>
+        <p:blipFill>
+          <a:blip r:embed="rId3"/>
+          <a:stretch>
+            <a:fillRect/>
+          </a:stretch>
+        </p:blipFill>
+        <p:spPr>
+          <a:xfrm>
+            <a:off x="3310465" y="2751748"/>
+            <a:ext cx="5596467" cy="2941435"/>
+          </a:xfrm>
+          <a:prstGeom prst="rect">
+            <a:avLst/>
+          </a:prstGeom>
+        </p:spPr>
+      </p:pic>
+    </p:spTree>
+    <p:extLst>
+      <p:ext uri="{BB962C8B-B14F-4D97-AF65-F5344CB8AC3E}">
+        <p14:creationId xmlns:p14="http://schemas.microsoft.com/office/powerpoint/2010/main" val="4199947807"/>
+      </p:ext>
+    </p:extLst>
+  </p:cSld>
+  <p:clrMapOvr>
+    <a:masterClrMapping/>
+  </p:clrMapOvr>
+</p:sld>
+</file>
+
+<file path=ppt/slides/slide4.xml><?xml version="1.0" encoding="utf-8"?>
+<p:sld xmlns:a="http://schemas.openxmlformats.org/drawingml/2006/main" xmlns:r="http://schemas.openxmlformats.org/officeDocument/2006/relationships" xmlns:p="http://schemas.openxmlformats.org/presentationml/2006/main">
+  <p:cSld>
+    <p:spTree>
+      <p:nvGrpSpPr>
+        <p:cNvPr id="1" name=""/>
+        <p:cNvGrpSpPr/>
+        <p:nvPr/>
+      </p:nvGrpSpPr>
+      <p:grpSpPr>
+        <a:xfrm>
+          <a:off x="0" y="0"/>
+          <a:ext cx="0" cy="0"/>
+          <a:chOff x="0" y="0"/>
+          <a:chExt cx="0" cy="0"/>
+        </a:xfrm>
+      </p:grpSpPr>
+      <p:sp>
+        <p:nvSpPr>
+          <p:cNvPr id="3" name="Title 2"/>
+          <p:cNvSpPr>
+            <a:spLocks noGrp="1"/>
+          </p:cNvSpPr>
+          <p:nvPr>
+            <p:ph type="title"/>
+          </p:nvPr>
+        </p:nvSpPr>
+        <p:spPr>
+          <a:xfrm>
+            <a:off x="457200" y="33338"/>
+            <a:ext cx="9329738" cy="1145950"/>
+          </a:xfrm>
+        </p:spPr>
+        <p:txBody>
+          <a:bodyPr/>
+          <a:lstStyle/>
+          <a:p>
+            <a:r>
+              <a:rPr lang="en-US" dirty="0"/>
+              <a:t>Without Single Sign-On (SSO)</a:t>
+            </a:r>
+          </a:p>
+        </p:txBody>
+      </p:sp>
+      <p:pic>
+        <p:nvPicPr>
+          <p:cNvPr id="6" name="Picture 5"/>
+          <p:cNvPicPr>
+            <a:picLocks noChangeAspect="1"/>
+          </p:cNvPicPr>
+          <p:nvPr/>
+        </p:nvPicPr>
+        <p:blipFill>
+          <a:blip r:embed="rId2">
+            <a:extLst>
+              <a:ext uri="{28A0092B-C50C-407E-A947-70E740481C1C}">
+                <a14:useLocalDpi xmlns:a14="http://schemas.microsoft.com/office/drawing/2010/main" val="0"/>
+              </a:ext>
+            </a:extLst>
+          </a:blip>
+          <a:stretch>
+            <a:fillRect/>
+          </a:stretch>
+        </p:blipFill>
+        <p:spPr>
+          <a:xfrm>
+            <a:off x="9977723" y="271048"/>
+            <a:ext cx="785527" cy="621875"/>
+          </a:xfrm>
+          <a:prstGeom prst="rect">
+            <a:avLst/>
+          </a:prstGeom>
+        </p:spPr>
+      </p:pic>
+      <p:pic>
+        <p:nvPicPr>
+          <p:cNvPr id="2" name="Picture 1"/>
+          <p:cNvPicPr>
+            <a:picLocks noChangeAspect="1"/>
+          </p:cNvPicPr>
+          <p:nvPr/>
+        </p:nvPicPr>
+        <p:blipFill>
+          <a:blip r:embed="rId3"/>
+          <a:stretch>
+            <a:fillRect/>
+          </a:stretch>
+        </p:blipFill>
+        <p:spPr>
+          <a:xfrm>
+            <a:off x="1320799" y="2093500"/>
+            <a:ext cx="5409325" cy="3418300"/>
+          </a:xfrm>
+          <a:prstGeom prst="rect">
+            <a:avLst/>
+          </a:prstGeom>
+        </p:spPr>
+      </p:pic>
+    </p:spTree>
+    <p:extLst>
+      <p:ext uri="{BB962C8B-B14F-4D97-AF65-F5344CB8AC3E}">
+        <p14:creationId xmlns:p14="http://schemas.microsoft.com/office/powerpoint/2010/main" val="1804462133"/>
+      </p:ext>
+    </p:extLst>
+  </p:cSld>
+  <p:clrMapOvr>
+    <a:masterClrMapping/>
+  </p:clrMapOvr>
+</p:sld>
+</file>
+
+<file path=ppt/slides/slide5.xml><?xml version="1.0" encoding="utf-8"?>
+<p:sld xmlns:a="http://schemas.openxmlformats.org/drawingml/2006/main" xmlns:r="http://schemas.openxmlformats.org/officeDocument/2006/relationships" xmlns:p="http://schemas.openxmlformats.org/presentationml/2006/main">
+  <p:cSld>
+    <p:spTree>
+      <p:nvGrpSpPr>
+        <p:cNvPr id="1" name=""/>
+        <p:cNvGrpSpPr/>
+        <p:nvPr/>
+      </p:nvGrpSpPr>
+      <p:grpSpPr>
+        <a:xfrm>
+          <a:off x="0" y="0"/>
+          <a:ext cx="0" cy="0"/>
+          <a:chOff x="0" y="0"/>
+          <a:chExt cx="0" cy="0"/>
+        </a:xfrm>
+      </p:grpSpPr>
+      <p:sp>
+        <p:nvSpPr>
+          <p:cNvPr id="3" name="Title 2"/>
+          <p:cNvSpPr>
+            <a:spLocks noGrp="1"/>
+          </p:cNvSpPr>
+          <p:nvPr>
+            <p:ph type="title"/>
+          </p:nvPr>
+        </p:nvSpPr>
+        <p:spPr>
+          <a:xfrm>
+            <a:off x="457200" y="33338"/>
+            <a:ext cx="9329738" cy="1145950"/>
+          </a:xfrm>
+        </p:spPr>
+        <p:txBody>
+          <a:bodyPr/>
+          <a:lstStyle/>
+          <a:p>
+            <a:r>
+              <a:rPr lang="en-US" dirty="0"/>
+              <a:t>Single Sign-On with token service</a:t>
+            </a:r>
+          </a:p>
+        </p:txBody>
+      </p:sp>
+      <p:pic>
+        <p:nvPicPr>
+          <p:cNvPr id="6" name="Picture 5"/>
+          <p:cNvPicPr>
+            <a:picLocks noChangeAspect="1"/>
+          </p:cNvPicPr>
+          <p:nvPr/>
+        </p:nvPicPr>
+        <p:blipFill>
+          <a:blip r:embed="rId2">
+            <a:extLst>
+              <a:ext uri="{28A0092B-C50C-407E-A947-70E740481C1C}">
+                <a14:useLocalDpi xmlns:a14="http://schemas.microsoft.com/office/drawing/2010/main" val="0"/>
+              </a:ext>
+            </a:extLst>
+          </a:blip>
+          <a:stretch>
+            <a:fillRect/>
+          </a:stretch>
+        </p:blipFill>
+        <p:spPr>
+          <a:xfrm>
+            <a:off x="9977723" y="271048"/>
+            <a:ext cx="785527" cy="621875"/>
+          </a:xfrm>
+          <a:prstGeom prst="rect">
+            <a:avLst/>
+          </a:prstGeom>
+        </p:spPr>
+      </p:pic>
+      <p:pic>
+        <p:nvPicPr>
+          <p:cNvPr id="4" name="Picture 3"/>
+          <p:cNvPicPr>
+            <a:picLocks noChangeAspect="1"/>
+          </p:cNvPicPr>
+          <p:nvPr/>
+        </p:nvPicPr>
+        <p:blipFill>
+          <a:blip r:embed="rId3"/>
+          <a:stretch>
+            <a:fillRect/>
+          </a:stretch>
+        </p:blipFill>
+        <p:spPr>
+          <a:xfrm>
+            <a:off x="1320800" y="2055823"/>
+            <a:ext cx="5798337" cy="3439043"/>
+          </a:xfrm>
+          <a:prstGeom prst="rect">
+            <a:avLst/>
+          </a:prstGeom>
+        </p:spPr>
+      </p:pic>
+    </p:spTree>
+    <p:extLst>
+      <p:ext uri="{BB962C8B-B14F-4D97-AF65-F5344CB8AC3E}">
+        <p14:creationId xmlns:p14="http://schemas.microsoft.com/office/powerpoint/2010/main" val="4066122463"/>
+      </p:ext>
+    </p:extLst>
+  </p:cSld>
+  <p:clrMapOvr>
+    <a:masterClrMapping/>
+  </p:clrMapOvr>
+</p:sld>
+</file>
+
+<file path=ppt/slides/slide6.xml><?xml version="1.0" encoding="utf-8"?>
+<p:sld xmlns:a="http://schemas.openxmlformats.org/drawingml/2006/main" xmlns:r="http://schemas.openxmlformats.org/officeDocument/2006/relationships" xmlns:p="http://schemas.openxmlformats.org/presentationml/2006/main">
+  <p:cSld>
+    <p:spTree>
+      <p:nvGrpSpPr>
+        <p:cNvPr id="1" name=""/>
+        <p:cNvGrpSpPr/>
+        <p:nvPr/>
+      </p:nvGrpSpPr>
+      <p:grpSpPr>
+        <a:xfrm>
+          <a:off x="0" y="0"/>
+          <a:ext cx="0" cy="0"/>
+          <a:chOff x="0" y="0"/>
+          <a:chExt cx="0" cy="0"/>
+        </a:xfrm>
+      </p:grpSpPr>
+      <p:sp>
+        <p:nvSpPr>
+          <p:cNvPr id="3" name="Title 2"/>
+          <p:cNvSpPr>
+            <a:spLocks noGrp="1"/>
+          </p:cNvSpPr>
+          <p:nvPr>
+            <p:ph type="title"/>
+          </p:nvPr>
+        </p:nvSpPr>
+        <p:spPr>
+          <a:xfrm>
+            <a:off x="457200" y="33338"/>
+            <a:ext cx="9329738" cy="1145950"/>
+          </a:xfrm>
+        </p:spPr>
+        <p:txBody>
+          <a:bodyPr/>
+          <a:lstStyle/>
+          <a:p>
+            <a:r>
+              <a:rPr lang="en-US" dirty="0"/>
+              <a:t>API Security with token service</a:t>
+            </a:r>
+          </a:p>
+        </p:txBody>
+      </p:sp>
+      <p:pic>
+        <p:nvPicPr>
+          <p:cNvPr id="6" name="Picture 5"/>
+          <p:cNvPicPr>
+            <a:picLocks noChangeAspect="1"/>
+          </p:cNvPicPr>
+          <p:nvPr/>
+        </p:nvPicPr>
+        <p:blipFill>
+          <a:blip r:embed="rId2">
+            <a:extLst>
+              <a:ext uri="{28A0092B-C50C-407E-A947-70E740481C1C}">
+                <a14:useLocalDpi xmlns:a14="http://schemas.microsoft.com/office/drawing/2010/main" val="0"/>
+              </a:ext>
+            </a:extLst>
+          </a:blip>
+          <a:stretch>
+            <a:fillRect/>
+          </a:stretch>
+        </p:blipFill>
+        <p:spPr>
+          <a:xfrm>
+            <a:off x="9977723" y="271048"/>
+            <a:ext cx="785527" cy="621875"/>
+          </a:xfrm>
+          <a:prstGeom prst="rect">
+            <a:avLst/>
+          </a:prstGeom>
+        </p:spPr>
+      </p:pic>
+      <p:pic>
+        <p:nvPicPr>
+          <p:cNvPr id="2" name="Picture 1"/>
+          <p:cNvPicPr>
+            <a:picLocks noChangeAspect="1"/>
+          </p:cNvPicPr>
+          <p:nvPr/>
+        </p:nvPicPr>
+        <p:blipFill>
+          <a:blip r:embed="rId3"/>
+          <a:stretch>
+            <a:fillRect/>
+          </a:stretch>
+        </p:blipFill>
+        <p:spPr>
+          <a:xfrm>
+            <a:off x="1617133" y="1794078"/>
+            <a:ext cx="6356063" cy="3743122"/>
+          </a:xfrm>
+          <a:prstGeom prst="rect">
+            <a:avLst/>
+          </a:prstGeom>
+        </p:spPr>
+      </p:pic>
+    </p:spTree>
+    <p:extLst>
+      <p:ext uri="{BB962C8B-B14F-4D97-AF65-F5344CB8AC3E}">
+        <p14:creationId xmlns:p14="http://schemas.microsoft.com/office/powerpoint/2010/main" val="3045230704"/>
+      </p:ext>
+    </p:extLst>
+  </p:cSld>
+  <p:clrMapOvr>
+    <a:masterClrMapping/>
+  </p:clrMapOvr>
+</p:sld>
+</file>
+
+<file path=ppt/slides/slide7.xml><?xml version="1.0" encoding="utf-8"?>
+<p:sld xmlns:a="http://schemas.openxmlformats.org/drawingml/2006/main" xmlns:r="http://schemas.openxmlformats.org/officeDocument/2006/relationships" xmlns:p="http://schemas.openxmlformats.org/presentationml/2006/main">
+  <p:cSld>
+    <p:spTree>
+      <p:nvGrpSpPr>
+        <p:cNvPr id="1" name=""/>
+        <p:cNvGrpSpPr/>
+        <p:nvPr/>
+      </p:nvGrpSpPr>
+      <p:grpSpPr>
+        <a:xfrm>
+          <a:off x="0" y="0"/>
+          <a:ext cx="0" cy="0"/>
+          <a:chOff x="0" y="0"/>
+          <a:chExt cx="0" cy="0"/>
+        </a:xfrm>
+      </p:grpSpPr>
+      <p:sp>
+        <p:nvSpPr>
+          <p:cNvPr id="3" name="Title 2"/>
+          <p:cNvSpPr>
+            <a:spLocks noGrp="1"/>
+          </p:cNvSpPr>
+          <p:nvPr>
+            <p:ph type="title"/>
+          </p:nvPr>
+        </p:nvSpPr>
+        <p:spPr>
+          <a:xfrm>
+            <a:off x="457200" y="33338"/>
+            <a:ext cx="9329738" cy="1145950"/>
+          </a:xfrm>
+        </p:spPr>
+        <p:txBody>
+          <a:bodyPr/>
+          <a:lstStyle/>
+          <a:p>
+            <a:r>
+              <a:rPr lang="en-US" dirty="0"/>
+              <a:t>Architecture</a:t>
+            </a:r>
+          </a:p>
+        </p:txBody>
+      </p:sp>
+      <p:pic>
+        <p:nvPicPr>
+          <p:cNvPr id="6" name="Picture 5"/>
+          <p:cNvPicPr>
+            <a:picLocks noChangeAspect="1"/>
+          </p:cNvPicPr>
+          <p:nvPr/>
+        </p:nvPicPr>
+        <p:blipFill>
+          <a:blip r:embed="rId2">
+            <a:extLst>
+              <a:ext uri="{28A0092B-C50C-407E-A947-70E740481C1C}">
+                <a14:useLocalDpi xmlns:a14="http://schemas.microsoft.com/office/drawing/2010/main" val="0"/>
+              </a:ext>
+            </a:extLst>
+          </a:blip>
+          <a:stretch>
+            <a:fillRect/>
+          </a:stretch>
+        </p:blipFill>
+        <p:spPr>
+          <a:xfrm>
+            <a:off x="9977723" y="271048"/>
+            <a:ext cx="785527" cy="621875"/>
+          </a:xfrm>
+          <a:prstGeom prst="rect">
+            <a:avLst/>
+          </a:prstGeom>
+        </p:spPr>
+      </p:pic>
+      <p:pic>
+        <p:nvPicPr>
+          <p:cNvPr id="4" name="Picture 3"/>
+          <p:cNvPicPr>
+            <a:picLocks noChangeAspect="1"/>
+          </p:cNvPicPr>
+          <p:nvPr/>
+        </p:nvPicPr>
+        <p:blipFill>
+          <a:blip r:embed="rId3"/>
+          <a:stretch>
+            <a:fillRect/>
+          </a:stretch>
+        </p:blipFill>
+        <p:spPr>
+          <a:xfrm>
+            <a:off x="1625600" y="2189906"/>
+            <a:ext cx="6806670" cy="3937843"/>
+          </a:xfrm>
+          <a:prstGeom prst="rect">
+            <a:avLst/>
+          </a:prstGeom>
+        </p:spPr>
+      </p:pic>
+    </p:spTree>
+    <p:extLst>
+      <p:ext uri="{BB962C8B-B14F-4D97-AF65-F5344CB8AC3E}">
+        <p14:creationId xmlns:p14="http://schemas.microsoft.com/office/powerpoint/2010/main" val="768606450"/>
+      </p:ext>
+    </p:extLst>
+  </p:cSld>
+  <p:clrMapOvr>
+    <a:masterClrMapping/>
+  </p:clrMapOvr>
+</p:sld>
+</file>
+
+<file path=ppt/slides/slide8.xml><?xml version="1.0" encoding="utf-8"?>
+<p:sld xmlns:a="http://schemas.openxmlformats.org/drawingml/2006/main" xmlns:r="http://schemas.openxmlformats.org/officeDocument/2006/relationships" xmlns:p="http://schemas.openxmlformats.org/presentationml/2006/main">
+  <p:cSld>
+    <p:spTree>
+      <p:nvGrpSpPr>
+        <p:cNvPr id="1" name=""/>
+        <p:cNvGrpSpPr/>
+        <p:nvPr/>
+      </p:nvGrpSpPr>
+      <p:grpSpPr>
+        <a:xfrm>
+          <a:off x="0" y="0"/>
+          <a:ext cx="0" cy="0"/>
+          <a:chOff x="0" y="0"/>
+          <a:chExt cx="0" cy="0"/>
+        </a:xfrm>
+      </p:grpSpPr>
+      <p:sp>
+        <p:nvSpPr>
+          <p:cNvPr id="3" name="Title 2"/>
+          <p:cNvSpPr>
+            <a:spLocks noGrp="1"/>
+          </p:cNvSpPr>
+          <p:nvPr>
+            <p:ph type="title"/>
+          </p:nvPr>
+        </p:nvSpPr>
+        <p:spPr>
+          <a:xfrm>
+            <a:off x="457200" y="33338"/>
+            <a:ext cx="9329738" cy="1145950"/>
+          </a:xfrm>
+        </p:spPr>
+        <p:txBody>
+          <a:bodyPr/>
+          <a:lstStyle/>
+          <a:p>
+            <a:r>
+              <a:rPr lang="en-US" dirty="0"/>
+              <a:t>Platforms</a:t>
+            </a:r>
+          </a:p>
+        </p:txBody>
+      </p:sp>
+      <p:pic>
+        <p:nvPicPr>
+          <p:cNvPr id="6" name="Picture 5"/>
+          <p:cNvPicPr>
+            <a:picLocks noChangeAspect="1"/>
+          </p:cNvPicPr>
+          <p:nvPr/>
+        </p:nvPicPr>
+        <p:blipFill>
+          <a:blip r:embed="rId2">
+            <a:extLst>
+              <a:ext uri="{28A0092B-C50C-407E-A947-70E740481C1C}">
+                <a14:useLocalDpi xmlns:a14="http://schemas.microsoft.com/office/drawing/2010/main" val="0"/>
+              </a:ext>
+            </a:extLst>
+          </a:blip>
+          <a:stretch>
+            <a:fillRect/>
+          </a:stretch>
+        </p:blipFill>
+        <p:spPr>
+          <a:xfrm>
+            <a:off x="9977723" y="271048"/>
+            <a:ext cx="785527" cy="621875"/>
+          </a:xfrm>
+          <a:prstGeom prst="rect">
+            <a:avLst/>
+          </a:prstGeom>
+        </p:spPr>
+      </p:pic>
+      <p:pic>
+        <p:nvPicPr>
+          <p:cNvPr id="2" name="Picture 1"/>
+          <p:cNvPicPr>
+            <a:picLocks noChangeAspect="1"/>
+          </p:cNvPicPr>
+          <p:nvPr/>
+        </p:nvPicPr>
+        <p:blipFill>
+          <a:blip r:embed="rId3"/>
+          <a:stretch>
+            <a:fillRect/>
+          </a:stretch>
+        </p:blipFill>
+        <p:spPr>
+          <a:xfrm>
+            <a:off x="914401" y="2016379"/>
+            <a:ext cx="7495645" cy="3757888"/>
+          </a:xfrm>
+          <a:prstGeom prst="rect">
+            <a:avLst/>
+          </a:prstGeom>
+        </p:spPr>
+      </p:pic>
+    </p:spTree>
+    <p:extLst>
+      <p:ext uri="{BB962C8B-B14F-4D97-AF65-F5344CB8AC3E}">
+        <p14:creationId xmlns:p14="http://schemas.microsoft.com/office/powerpoint/2010/main" val="3423423560"/>
+      </p:ext>
+    </p:extLst>
+  </p:cSld>
+  <p:clrMapOvr>
+    <a:masterClrMapping/>
+  </p:clrMapOvr>
+</p:sld>
+</file>
+
+<file path=ppt/slides/slide9.xml><?xml version="1.0" encoding="utf-8"?>
+<p:sld xmlns:a="http://schemas.openxmlformats.org/drawingml/2006/main" xmlns:r="http://schemas.openxmlformats.org/officeDocument/2006/relationships" xmlns:p="http://schemas.openxmlformats.org/presentationml/2006/main">
+  <p:cSld>
+    <p:spTree>
+      <p:nvGrpSpPr>
+        <p:cNvPr id="1" name=""/>
+        <p:cNvGrpSpPr/>
+        <p:nvPr/>
+      </p:nvGrpSpPr>
+      <p:grpSpPr>
+        <a:xfrm>
+          <a:off x="0" y="0"/>
+          <a:ext cx="0" cy="0"/>
+          <a:chOff x="0" y="0"/>
+          <a:chExt cx="0" cy="0"/>
+        </a:xfrm>
+      </p:grpSpPr>
+      <p:sp>
+        <p:nvSpPr>
+          <p:cNvPr id="3" name="Title 2"/>
+          <p:cNvSpPr>
+            <a:spLocks noGrp="1"/>
+          </p:cNvSpPr>
+          <p:nvPr>
+            <p:ph type="title"/>
+          </p:nvPr>
+        </p:nvSpPr>
+        <p:spPr>
+          <a:xfrm>
+            <a:off x="457200" y="33338"/>
+            <a:ext cx="9329738" cy="1145950"/>
+          </a:xfrm>
+        </p:spPr>
+        <p:txBody>
+          <a:bodyPr/>
+          <a:lstStyle/>
+          <a:p>
+            <a:r>
+              <a:rPr lang="en-US" dirty="0"/>
+              <a:t>Core object model</a:t>
+            </a:r>
+          </a:p>
+        </p:txBody>
+      </p:sp>
+      <p:pic>
+        <p:nvPicPr>
+          <p:cNvPr id="6" name="Picture 5"/>
+          <p:cNvPicPr>
+            <a:picLocks noChangeAspect="1"/>
+          </p:cNvPicPr>
+          <p:nvPr/>
+        </p:nvPicPr>
+        <p:blipFill>
+          <a:blip r:embed="rId2">
+            <a:extLst>
+              <a:ext uri="{28A0092B-C50C-407E-A947-70E740481C1C}">
+                <a14:useLocalDpi xmlns:a14="http://schemas.microsoft.com/office/drawing/2010/main" val="0"/>
+              </a:ext>
+            </a:extLst>
+          </a:blip>
+          <a:stretch>
+            <a:fillRect/>
+          </a:stretch>
+        </p:blipFill>
+        <p:spPr>
+          <a:xfrm>
+            <a:off x="9977723" y="271048"/>
+            <a:ext cx="785527" cy="621875"/>
+          </a:xfrm>
+          <a:prstGeom prst="rect">
+            <a:avLst/>
+          </a:prstGeom>
+        </p:spPr>
+      </p:pic>
+      <p:pic>
+        <p:nvPicPr>
+          <p:cNvPr id="5" name="Picture 4"/>
+          <p:cNvPicPr>
+            <a:picLocks noChangeAspect="1"/>
+          </p:cNvPicPr>
+          <p:nvPr/>
+        </p:nvPicPr>
+        <p:blipFill>
+          <a:blip r:embed="rId3"/>
+          <a:stretch>
+            <a:fillRect/>
+          </a:stretch>
+        </p:blipFill>
+        <p:spPr>
+          <a:xfrm>
+            <a:off x="1659466" y="1859689"/>
+            <a:ext cx="6022599" cy="4117891"/>
+          </a:xfrm>
+          <a:prstGeom prst="rect">
+            <a:avLst/>
+          </a:prstGeom>
+        </p:spPr>
+      </p:pic>
+    </p:spTree>
+    <p:extLst>
+      <p:ext uri="{BB962C8B-B14F-4D97-AF65-F5344CB8AC3E}">
+        <p14:creationId xmlns:p14="http://schemas.microsoft.com/office/powerpoint/2010/main" val="1546853081"/>
       </p:ext>
     </p:extLst>
   </p:cSld>

--- a/IdentityServerDemo/IdentityServer.pptx
+++ b/IdentityServerDemo/IdentityServer.pptx
@@ -11,9 +11,9 @@
     <p:sldId id="260" r:id="rId5"/>
     <p:sldId id="261" r:id="rId6"/>
     <p:sldId id="262" r:id="rId7"/>
-    <p:sldId id="263" r:id="rId8"/>
-    <p:sldId id="264" r:id="rId9"/>
-    <p:sldId id="265" r:id="rId10"/>
+    <p:sldId id="265" r:id="rId8"/>
+    <p:sldId id="263" r:id="rId9"/>
+    <p:sldId id="264" r:id="rId10"/>
     <p:sldId id="266" r:id="rId11"/>
   </p:sldIdLst>
   <p:sldSz cx="12192000" cy="6858000"/>
@@ -250,7 +250,7 @@
           <a:p>
             <a:fld id="{B0CD4581-E5B7-4689-89D2-146EC247F68D}" type="datetimeFigureOut">
               <a:rPr lang="en-US" smtClean="0"/>
-              <a:t>3/22/2017</a:t>
+              <a:t>3/23/2017</a:t>
             </a:fld>
             <a:endParaRPr lang="en-US"/>
           </a:p>
@@ -418,7 +418,7 @@
           <a:p>
             <a:fld id="{B0CD4581-E5B7-4689-89D2-146EC247F68D}" type="datetimeFigureOut">
               <a:rPr lang="en-US" smtClean="0"/>
-              <a:t>3/22/2017</a:t>
+              <a:t>3/23/2017</a:t>
             </a:fld>
             <a:endParaRPr lang="en-US"/>
           </a:p>
@@ -596,7 +596,7 @@
           <a:p>
             <a:fld id="{B0CD4581-E5B7-4689-89D2-146EC247F68D}" type="datetimeFigureOut">
               <a:rPr lang="en-US" smtClean="0"/>
-              <a:t>3/22/2017</a:t>
+              <a:t>3/23/2017</a:t>
             </a:fld>
             <a:endParaRPr lang="en-US"/>
           </a:p>
@@ -986,7 +986,7 @@
           <a:p>
             <a:fld id="{B0CD4581-E5B7-4689-89D2-146EC247F68D}" type="datetimeFigureOut">
               <a:rPr lang="en-US" smtClean="0"/>
-              <a:t>3/22/2017</a:t>
+              <a:t>3/23/2017</a:t>
             </a:fld>
             <a:endParaRPr lang="en-US"/>
           </a:p>
@@ -1231,7 +1231,7 @@
           <a:p>
             <a:fld id="{B0CD4581-E5B7-4689-89D2-146EC247F68D}" type="datetimeFigureOut">
               <a:rPr lang="en-US" smtClean="0"/>
-              <a:t>3/22/2017</a:t>
+              <a:t>3/23/2017</a:t>
             </a:fld>
             <a:endParaRPr lang="en-US"/>
           </a:p>
@@ -1460,7 +1460,7 @@
           <a:p>
             <a:fld id="{B0CD4581-E5B7-4689-89D2-146EC247F68D}" type="datetimeFigureOut">
               <a:rPr lang="en-US" smtClean="0"/>
-              <a:t>3/22/2017</a:t>
+              <a:t>3/23/2017</a:t>
             </a:fld>
             <a:endParaRPr lang="en-US"/>
           </a:p>
@@ -1824,7 +1824,7 @@
           <a:p>
             <a:fld id="{B0CD4581-E5B7-4689-89D2-146EC247F68D}" type="datetimeFigureOut">
               <a:rPr lang="en-US" smtClean="0"/>
-              <a:t>3/22/2017</a:t>
+              <a:t>3/23/2017</a:t>
             </a:fld>
             <a:endParaRPr lang="en-US"/>
           </a:p>
@@ -1941,7 +1941,7 @@
           <a:p>
             <a:fld id="{B0CD4581-E5B7-4689-89D2-146EC247F68D}" type="datetimeFigureOut">
               <a:rPr lang="en-US" smtClean="0"/>
-              <a:t>3/22/2017</a:t>
+              <a:t>3/23/2017</a:t>
             </a:fld>
             <a:endParaRPr lang="en-US"/>
           </a:p>
@@ -2036,7 +2036,7 @@
           <a:p>
             <a:fld id="{B0CD4581-E5B7-4689-89D2-146EC247F68D}" type="datetimeFigureOut">
               <a:rPr lang="en-US" smtClean="0"/>
-              <a:t>3/22/2017</a:t>
+              <a:t>3/23/2017</a:t>
             </a:fld>
             <a:endParaRPr lang="en-US"/>
           </a:p>
@@ -2311,7 +2311,7 @@
           <a:p>
             <a:fld id="{B0CD4581-E5B7-4689-89D2-146EC247F68D}" type="datetimeFigureOut">
               <a:rPr lang="en-US" smtClean="0"/>
-              <a:t>3/22/2017</a:t>
+              <a:t>3/23/2017</a:t>
             </a:fld>
             <a:endParaRPr lang="en-US"/>
           </a:p>
@@ -2563,7 +2563,7 @@
           <a:p>
             <a:fld id="{B0CD4581-E5B7-4689-89D2-146EC247F68D}" type="datetimeFigureOut">
               <a:rPr lang="en-US" smtClean="0"/>
-              <a:t>3/22/2017</a:t>
+              <a:t>3/23/2017</a:t>
             </a:fld>
             <a:endParaRPr lang="en-US"/>
           </a:p>
@@ -2774,7 +2774,7 @@
           <a:p>
             <a:fld id="{B0CD4581-E5B7-4689-89D2-146EC247F68D}" type="datetimeFigureOut">
               <a:rPr lang="en-US" smtClean="0"/>
-              <a:t>3/22/2017</a:t>
+              <a:t>3/23/2017</a:t>
             </a:fld>
             <a:endParaRPr lang="en-US"/>
           </a:p>
@@ -3304,7 +3304,7 @@
           <a:p>
             <a:r>
               <a:rPr lang="en-US" dirty="0"/>
-              <a:t>Code</a:t>
+              <a:t>Demo</a:t>
             </a:r>
           </a:p>
         </p:txBody>
@@ -3476,8 +3476,8 @@
         </p:nvSpPr>
         <p:spPr>
           <a:xfrm>
-            <a:off x="523875" y="1462088"/>
-            <a:ext cx="11025188" cy="646331"/>
+            <a:off x="912495" y="1690688"/>
+            <a:ext cx="10408920" cy="3539430"/>
           </a:xfrm>
           <a:prstGeom prst="rect">
             <a:avLst/>
@@ -3490,15 +3490,73 @@
           </a:bodyPr>
           <a:lstStyle/>
           <a:p>
-            <a:r>
-              <a:rPr lang="en-US" dirty="0"/>
-              <a:t>Motivate IdentityServer3</a:t>
-            </a:r>
-          </a:p>
-          <a:p>
-            <a:r>
-              <a:rPr lang="en-US" dirty="0"/>
-              <a:t>Hosting, Configuring and running IdentityServer3</a:t>
+            <a:pPr marL="457200" indent="-457200">
+              <a:buFont typeface="Wingdings" panose="05000000000000000000" pitchFamily="2" charset="2"/>
+              <a:buChar char="§"/>
+            </a:pPr>
+            <a:r>
+              <a:rPr lang="en-US" sz="3200" dirty="0"/>
+              <a:t>What is IdentityServer ?</a:t>
+            </a:r>
+          </a:p>
+          <a:p>
+            <a:pPr marL="457200" indent="-457200">
+              <a:buFont typeface="Wingdings" panose="05000000000000000000" pitchFamily="2" charset="2"/>
+              <a:buChar char="§"/>
+            </a:pPr>
+            <a:r>
+              <a:rPr lang="en-US" sz="3200" dirty="0"/>
+              <a:t>What is OIDC &amp; SSO ?</a:t>
+            </a:r>
+          </a:p>
+          <a:p>
+            <a:pPr marL="457200" indent="-457200">
+              <a:buFont typeface="Wingdings" panose="05000000000000000000" pitchFamily="2" charset="2"/>
+              <a:buChar char="§"/>
+            </a:pPr>
+            <a:r>
+              <a:rPr lang="en-US" sz="3200" dirty="0"/>
+              <a:t>API Security with IdentityServer ?</a:t>
+            </a:r>
+          </a:p>
+          <a:p>
+            <a:pPr marL="457200" indent="-457200">
+              <a:buFont typeface="Wingdings" panose="05000000000000000000" pitchFamily="2" charset="2"/>
+              <a:buChar char="§"/>
+            </a:pPr>
+            <a:r>
+              <a:rPr lang="en-US" sz="3200" dirty="0"/>
+              <a:t>IdentityServer object model</a:t>
+            </a:r>
+          </a:p>
+          <a:p>
+            <a:pPr marL="457200" indent="-457200">
+              <a:buFont typeface="Wingdings" panose="05000000000000000000" pitchFamily="2" charset="2"/>
+              <a:buChar char="§"/>
+            </a:pPr>
+            <a:r>
+              <a:rPr lang="en-US" sz="3200" dirty="0"/>
+              <a:t>IdentityServer Architecture ?</a:t>
+            </a:r>
+          </a:p>
+          <a:p>
+            <a:pPr marL="457200" indent="-457200">
+              <a:buFont typeface="Wingdings" panose="05000000000000000000" pitchFamily="2" charset="2"/>
+              <a:buChar char="§"/>
+            </a:pPr>
+            <a:r>
+              <a:rPr lang="en-US" sz="3200" dirty="0"/>
+              <a:t>Flavors of IdentityServer ?</a:t>
+            </a:r>
+          </a:p>
+          <a:p>
+            <a:pPr marL="457200" indent="-457200">
+              <a:buFont typeface="Wingdings" panose="05000000000000000000" pitchFamily="2" charset="2"/>
+              <a:buChar char="§"/>
+            </a:pPr>
+            <a:r>
+              <a:rPr lang="en-US" sz="3200" dirty="0"/>
+              <a:t>Demo</a:t>
             </a:r>
           </a:p>
         </p:txBody>
@@ -3592,14 +3650,14 @@
       </p:pic>
       <p:sp>
         <p:nvSpPr>
-          <p:cNvPr id="10" name="TextBox 9"/>
+          <p:cNvPr id="7" name="TextBox 6"/>
           <p:cNvSpPr txBox="1"/>
           <p:nvPr/>
         </p:nvSpPr>
         <p:spPr>
           <a:xfrm>
-            <a:off x="523875" y="1462088"/>
-            <a:ext cx="11025188" cy="923330"/>
+            <a:off x="912495" y="1690688"/>
+            <a:ext cx="10408920" cy="3539430"/>
           </a:xfrm>
           <a:prstGeom prst="rect">
             <a:avLst/>
@@ -3612,49 +3670,85 @@
           </a:bodyPr>
           <a:lstStyle/>
           <a:p>
-            <a:r>
-              <a:rPr lang="en-US" dirty="0"/>
-              <a:t>Framework for building application security</a:t>
-            </a:r>
-          </a:p>
-          <a:p>
-            <a:r>
-              <a:rPr lang="en-US" dirty="0"/>
-              <a:t>Single Sign-On (SSO)</a:t>
-            </a:r>
-          </a:p>
-          <a:p>
-            <a:r>
-              <a:rPr lang="en-US" dirty="0"/>
-              <a:t>Protecting Web APIs</a:t>
-            </a:r>
-          </a:p>
-        </p:txBody>
-      </p:sp>
-      <p:pic>
-        <p:nvPicPr>
-          <p:cNvPr id="2" name="Picture 1"/>
-          <p:cNvPicPr>
-            <a:picLocks noChangeAspect="1"/>
-          </p:cNvPicPr>
-          <p:nvPr/>
-        </p:nvPicPr>
-        <p:blipFill>
-          <a:blip r:embed="rId3"/>
-          <a:stretch>
-            <a:fillRect/>
-          </a:stretch>
-        </p:blipFill>
-        <p:spPr>
-          <a:xfrm>
-            <a:off x="3310465" y="2751748"/>
-            <a:ext cx="5596467" cy="2941435"/>
-          </a:xfrm>
-          <a:prstGeom prst="rect">
-            <a:avLst/>
-          </a:prstGeom>
-        </p:spPr>
-      </p:pic>
+            <a:pPr marL="457200" indent="-457200">
+              <a:buFont typeface="Wingdings" panose="05000000000000000000" pitchFamily="2" charset="2"/>
+              <a:buChar char="§"/>
+            </a:pPr>
+            <a:r>
+              <a:rPr lang="en-US" sz="3200" dirty="0"/>
+              <a:t>A full framework for building application security</a:t>
+            </a:r>
+          </a:p>
+          <a:p>
+            <a:pPr marL="457200" indent="-457200">
+              <a:buFont typeface="Wingdings" panose="05000000000000000000" pitchFamily="2" charset="2"/>
+              <a:buChar char="§"/>
+            </a:pPr>
+            <a:r>
+              <a:rPr lang="en-US" sz="3200" dirty="0"/>
+              <a:t>Free, open source solution</a:t>
+            </a:r>
+          </a:p>
+          <a:p>
+            <a:pPr marL="457200" indent="-457200">
+              <a:buFont typeface="Wingdings" panose="05000000000000000000" pitchFamily="2" charset="2"/>
+              <a:buChar char="§"/>
+            </a:pPr>
+            <a:r>
+              <a:rPr lang="en-US" sz="3200" dirty="0"/>
+              <a:t>OpenID Connect and OAuth2</a:t>
+            </a:r>
+          </a:p>
+          <a:p>
+            <a:pPr marL="457200" indent="-457200">
+              <a:buFont typeface="Wingdings" panose="05000000000000000000" pitchFamily="2" charset="2"/>
+              <a:buChar char="§"/>
+            </a:pPr>
+            <a:r>
+              <a:rPr lang="en-US" sz="3200" dirty="0"/>
+              <a:t>Designed for flexibility and customization</a:t>
+            </a:r>
+          </a:p>
+          <a:p>
+            <a:pPr marL="457200" indent="-457200">
+              <a:buFont typeface="Wingdings" panose="05000000000000000000" pitchFamily="2" charset="2"/>
+              <a:buChar char="§"/>
+            </a:pPr>
+            <a:r>
+              <a:rPr lang="en-US" sz="3200" dirty="0"/>
+              <a:t>More control than off-the-shelf/SaaS products</a:t>
+            </a:r>
+          </a:p>
+          <a:p>
+            <a:pPr marL="457200" indent="-457200">
+              <a:buFont typeface="Wingdings" panose="05000000000000000000" pitchFamily="2" charset="2"/>
+              <a:buChar char="§"/>
+            </a:pPr>
+            <a:r>
+              <a:rPr lang="en-US" sz="3200" dirty="0"/>
+              <a:t>Becomes your application identity</a:t>
+            </a:r>
+          </a:p>
+          <a:p>
+            <a:pPr marL="457200" indent="-457200">
+              <a:buFont typeface="Wingdings" panose="05000000000000000000" pitchFamily="2" charset="2"/>
+              <a:buChar char="§"/>
+            </a:pPr>
+            <a:r>
+              <a:rPr lang="en-US" sz="3200" dirty="0"/>
+              <a:t>Protects browser apps/web apps, web </a:t>
+            </a:r>
+            <a:r>
+              <a:rPr lang="en-US" sz="3200" dirty="0" err="1"/>
+              <a:t>api</a:t>
+            </a:r>
+            <a:r>
+              <a:rPr lang="en-US" sz="3200" dirty="0"/>
+              <a:t>, mobile apps</a:t>
+            </a:r>
+          </a:p>
+        </p:txBody>
+      </p:sp>
     </p:spTree>
     <p:extLst>
       <p:ext uri="{BB962C8B-B14F-4D97-AF65-F5344CB8AC3E}">
@@ -3744,7 +3838,7 @@
       </p:pic>
       <p:pic>
         <p:nvPicPr>
-          <p:cNvPr id="2" name="Picture 1"/>
+          <p:cNvPr id="5" name="Picture 4"/>
           <p:cNvPicPr>
             <a:picLocks noChangeAspect="1"/>
           </p:cNvPicPr>
@@ -3758,8 +3852,8 @@
         </p:blipFill>
         <p:spPr>
           <a:xfrm>
-            <a:off x="1320799" y="2093500"/>
-            <a:ext cx="5409325" cy="3418300"/>
+            <a:off x="971550" y="1774623"/>
+            <a:ext cx="9686925" cy="4508777"/>
           </a:xfrm>
           <a:prstGeom prst="rect">
             <a:avLst/>
@@ -3855,7 +3949,7 @@
       </p:pic>
       <p:pic>
         <p:nvPicPr>
-          <p:cNvPr id="4" name="Picture 3"/>
+          <p:cNvPr id="2" name="Picture 1"/>
           <p:cNvPicPr>
             <a:picLocks noChangeAspect="1"/>
           </p:cNvPicPr>
@@ -3869,8 +3963,8 @@
         </p:blipFill>
         <p:spPr>
           <a:xfrm>
-            <a:off x="1320800" y="2055823"/>
-            <a:ext cx="5798337" cy="3439043"/>
+            <a:off x="960120" y="1769488"/>
+            <a:ext cx="10115550" cy="4716802"/>
           </a:xfrm>
           <a:prstGeom prst="rect">
             <a:avLst/>
@@ -3929,8 +4023,9 @@
           <a:p>
             <a:r>
               <a:rPr lang="en-US" dirty="0"/>
-              <a:t>API Security with token service</a:t>
-            </a:r>
+              <a:t>API Security with IdentityServer</a:t>
+            </a:r>
+            <a:endParaRPr lang="en-US" dirty="0"/>
           </a:p>
         </p:txBody>
       </p:sp>
@@ -3966,7 +4061,7 @@
       </p:pic>
       <p:pic>
         <p:nvPicPr>
-          <p:cNvPr id="2" name="Picture 1"/>
+          <p:cNvPr id="5" name="Picture 4"/>
           <p:cNvPicPr>
             <a:picLocks noChangeAspect="1"/>
           </p:cNvPicPr>
@@ -3980,8 +4075,8 @@
         </p:blipFill>
         <p:spPr>
           <a:xfrm>
-            <a:off x="1617133" y="1794078"/>
-            <a:ext cx="6356063" cy="3743122"/>
+            <a:off x="982980" y="1989664"/>
+            <a:ext cx="9086850" cy="4394507"/>
           </a:xfrm>
           <a:prstGeom prst="rect">
             <a:avLst/>
@@ -4040,8 +4135,9 @@
           <a:p>
             <a:r>
               <a:rPr lang="en-US" dirty="0"/>
-              <a:t>Architecture</a:t>
-            </a:r>
+              <a:t>IdentityServer object model</a:t>
+            </a:r>
+            <a:endParaRPr lang="en-US" dirty="0"/>
           </a:p>
         </p:txBody>
       </p:sp>
@@ -4077,7 +4173,7 @@
       </p:pic>
       <p:pic>
         <p:nvPicPr>
-          <p:cNvPr id="4" name="Picture 3"/>
+          <p:cNvPr id="2" name="Picture 1"/>
           <p:cNvPicPr>
             <a:picLocks noChangeAspect="1"/>
           </p:cNvPicPr>
@@ -4091,8 +4187,8 @@
         </p:blipFill>
         <p:spPr>
           <a:xfrm>
-            <a:off x="1625600" y="2189906"/>
-            <a:ext cx="6806670" cy="3937843"/>
+            <a:off x="363181" y="1611630"/>
+            <a:ext cx="7125960" cy="4760595"/>
           </a:xfrm>
           <a:prstGeom prst="rect">
             <a:avLst/>
@@ -4102,7 +4198,7 @@
     </p:spTree>
     <p:extLst>
       <p:ext uri="{BB962C8B-B14F-4D97-AF65-F5344CB8AC3E}">
-        <p14:creationId xmlns:p14="http://schemas.microsoft.com/office/powerpoint/2010/main" val="768606450"/>
+        <p14:creationId xmlns:p14="http://schemas.microsoft.com/office/powerpoint/2010/main" val="1546853081"/>
       </p:ext>
     </p:extLst>
   </p:cSld>
@@ -4146,13 +4242,16 @@
           </a:xfrm>
         </p:spPr>
         <p:txBody>
-          <a:bodyPr/>
+          <a:bodyPr>
+            <a:normAutofit/>
+          </a:bodyPr>
           <a:lstStyle/>
           <a:p>
             <a:r>
               <a:rPr lang="en-US" dirty="0"/>
-              <a:t>Platforms</a:t>
-            </a:r>
+              <a:t>IdentityServer Architecture</a:t>
+            </a:r>
+            <a:endParaRPr lang="en-US" dirty="0"/>
           </a:p>
         </p:txBody>
       </p:sp>
@@ -4188,7 +4287,7 @@
       </p:pic>
       <p:pic>
         <p:nvPicPr>
-          <p:cNvPr id="2" name="Picture 1"/>
+          <p:cNvPr id="4" name="Picture 3"/>
           <p:cNvPicPr>
             <a:picLocks noChangeAspect="1"/>
           </p:cNvPicPr>
@@ -4202,8 +4301,8 @@
         </p:blipFill>
         <p:spPr>
           <a:xfrm>
-            <a:off x="914401" y="2016379"/>
-            <a:ext cx="7495645" cy="3757888"/>
+            <a:off x="1625600" y="2189906"/>
+            <a:ext cx="6806670" cy="3937843"/>
           </a:xfrm>
           <a:prstGeom prst="rect">
             <a:avLst/>
@@ -4213,7 +4312,7 @@
     </p:spTree>
     <p:extLst>
       <p:ext uri="{BB962C8B-B14F-4D97-AF65-F5344CB8AC3E}">
-        <p14:creationId xmlns:p14="http://schemas.microsoft.com/office/powerpoint/2010/main" val="3423423560"/>
+        <p14:creationId xmlns:p14="http://schemas.microsoft.com/office/powerpoint/2010/main" val="768606450"/>
       </p:ext>
     </p:extLst>
   </p:cSld>
@@ -4262,8 +4361,9 @@
           <a:p>
             <a:r>
               <a:rPr lang="en-US" dirty="0"/>
-              <a:t>Core object model</a:t>
-            </a:r>
+              <a:t>Flavors of IdentityServer</a:t>
+            </a:r>
+            <a:endParaRPr lang="en-US" dirty="0"/>
           </a:p>
         </p:txBody>
       </p:sp>
@@ -4299,7 +4399,7 @@
       </p:pic>
       <p:pic>
         <p:nvPicPr>
-          <p:cNvPr id="5" name="Picture 4"/>
+          <p:cNvPr id="2" name="Picture 1"/>
           <p:cNvPicPr>
             <a:picLocks noChangeAspect="1"/>
           </p:cNvPicPr>
@@ -4313,18 +4413,47 @@
         </p:blipFill>
         <p:spPr>
           <a:xfrm>
-            <a:off x="1659466" y="1859689"/>
-            <a:ext cx="6022599" cy="4117891"/>
+            <a:off x="1374246" y="2563446"/>
+            <a:ext cx="7495645" cy="3757888"/>
           </a:xfrm>
           <a:prstGeom prst="rect">
             <a:avLst/>
           </a:prstGeom>
         </p:spPr>
       </p:pic>
+      <p:sp>
+        <p:nvSpPr>
+          <p:cNvPr id="4" name="Rectangle 3"/>
+          <p:cNvSpPr/>
+          <p:nvPr/>
+        </p:nvSpPr>
+        <p:spPr>
+          <a:xfrm>
+            <a:off x="2162175" y="1682800"/>
+            <a:ext cx="6096000" cy="646331"/>
+          </a:xfrm>
+          <a:prstGeom prst="rect">
+            <a:avLst/>
+          </a:prstGeom>
+        </p:spPr>
+        <p:txBody>
+          <a:bodyPr>
+            <a:spAutoFit/>
+          </a:bodyPr>
+          <a:lstStyle/>
+          <a:p>
+            <a:r>
+              <a:rPr lang="en-US" dirty="0"/>
+              <a:t>https://identityserver.github.io/Documentation/docsv2/overview/mvcGettingStarted.html</a:t>
+            </a:r>
+            <a:endParaRPr lang="en-US" dirty="0"/>
+          </a:p>
+        </p:txBody>
+      </p:sp>
     </p:spTree>
     <p:extLst>
       <p:ext uri="{BB962C8B-B14F-4D97-AF65-F5344CB8AC3E}">
-        <p14:creationId xmlns:p14="http://schemas.microsoft.com/office/powerpoint/2010/main" val="1546853081"/>
+        <p14:creationId xmlns:p14="http://schemas.microsoft.com/office/powerpoint/2010/main" val="3423423560"/>
       </p:ext>
     </p:extLst>
   </p:cSld>

--- a/IdentityServerDemo/IdentityServer.pptx
+++ b/IdentityServerDemo/IdentityServer.pptx
@@ -8,13 +8,15 @@
     <p:sldId id="257" r:id="rId2"/>
     <p:sldId id="258" r:id="rId3"/>
     <p:sldId id="259" r:id="rId4"/>
-    <p:sldId id="260" r:id="rId5"/>
-    <p:sldId id="261" r:id="rId6"/>
-    <p:sldId id="262" r:id="rId7"/>
-    <p:sldId id="265" r:id="rId8"/>
-    <p:sldId id="263" r:id="rId9"/>
-    <p:sldId id="264" r:id="rId10"/>
-    <p:sldId id="266" r:id="rId11"/>
+    <p:sldId id="268" r:id="rId5"/>
+    <p:sldId id="260" r:id="rId6"/>
+    <p:sldId id="261" r:id="rId7"/>
+    <p:sldId id="262" r:id="rId8"/>
+    <p:sldId id="265" r:id="rId9"/>
+    <p:sldId id="263" r:id="rId10"/>
+    <p:sldId id="264" r:id="rId11"/>
+    <p:sldId id="267" r:id="rId12"/>
+    <p:sldId id="266" r:id="rId13"/>
   </p:sldIdLst>
   <p:sldSz cx="12192000" cy="6858000"/>
   <p:notesSz cx="6858000" cy="9144000"/>
@@ -3189,7 +3191,7 @@
         </p:nvSpPr>
         <p:spPr>
           <a:xfrm>
-            <a:off x="588453" y="3910937"/>
+            <a:off x="588453" y="3276572"/>
             <a:ext cx="4812222" cy="307777"/>
           </a:xfrm>
           <a:prstGeom prst="rect">
@@ -3244,7 +3246,7 @@
         </p:blipFill>
         <p:spPr>
           <a:xfrm>
-            <a:off x="1182338" y="1184183"/>
+            <a:off x="1182338" y="561248"/>
             <a:ext cx="3272303" cy="2590573"/>
           </a:xfrm>
           <a:prstGeom prst="rect">
@@ -3252,6 +3254,104 @@
           </a:prstGeom>
         </p:spPr>
       </p:pic>
+      <p:sp>
+        <p:nvSpPr>
+          <p:cNvPr id="5" name="Title 2"/>
+          <p:cNvSpPr txBox="1">
+            <a:spLocks/>
+          </p:cNvSpPr>
+          <p:nvPr/>
+        </p:nvSpPr>
+        <p:spPr>
+          <a:xfrm>
+            <a:off x="588453" y="4999673"/>
+            <a:ext cx="5772150" cy="709612"/>
+          </a:xfrm>
+          <a:prstGeom prst="rect">
+            <a:avLst/>
+          </a:prstGeom>
+        </p:spPr>
+        <p:txBody>
+          <a:bodyPr/>
+          <a:lstStyle>
+            <a:lvl1pPr algn="l" defTabSz="914400" rtl="0" eaLnBrk="1" latinLnBrk="0" hangingPunct="1">
+              <a:lnSpc>
+                <a:spcPct val="90000"/>
+              </a:lnSpc>
+              <a:spcBef>
+                <a:spcPct val="0"/>
+              </a:spcBef>
+              <a:buNone/>
+              <a:defRPr sz="4400" kern="1200">
+                <a:solidFill>
+                  <a:schemeClr val="tx1"/>
+                </a:solidFill>
+                <a:latin typeface="+mj-lt"/>
+                <a:ea typeface="+mj-ea"/>
+                <a:cs typeface="+mj-cs"/>
+              </a:defRPr>
+            </a:lvl1pPr>
+          </a:lstStyle>
+          <a:p>
+            <a:endParaRPr lang="en-US" sz="1800" dirty="0"/>
+          </a:p>
+        </p:txBody>
+      </p:sp>
+      <p:sp>
+        <p:nvSpPr>
+          <p:cNvPr id="2" name="Rectangle 1"/>
+          <p:cNvSpPr/>
+          <p:nvPr/>
+        </p:nvSpPr>
+        <p:spPr>
+          <a:xfrm>
+            <a:off x="499062" y="4063186"/>
+            <a:ext cx="4991004" cy="1200329"/>
+          </a:xfrm>
+          <a:prstGeom prst="rect">
+            <a:avLst/>
+          </a:prstGeom>
+        </p:spPr>
+        <p:txBody>
+          <a:bodyPr wrap="square">
+            <a:spAutoFit/>
+          </a:bodyPr>
+          <a:lstStyle/>
+          <a:p>
+            <a:pPr algn="ctr"/>
+            <a:r>
+              <a:rPr lang="en-US" sz="3600" dirty="0">
+                <a:solidFill>
+                  <a:srgbClr val="FA991D"/>
+                </a:solidFill>
+              </a:rPr>
+              <a:t>Abhimanyu Kumar Vatsa</a:t>
+            </a:r>
+          </a:p>
+          <a:p>
+            <a:pPr algn="ctr"/>
+            <a:r>
+              <a:rPr lang="en-US" dirty="0">
+                <a:solidFill>
+                  <a:srgbClr val="231F20"/>
+                </a:solidFill>
+              </a:rPr>
+              <a:t>Microsoft MVP | Software Developer</a:t>
+            </a:r>
+          </a:p>
+          <a:p>
+            <a:pPr algn="ctr"/>
+            <a:r>
+              <a:rPr lang="en-US" sz="1600" dirty="0">
+                <a:solidFill>
+                  <a:srgbClr val="404040"/>
+                </a:solidFill>
+              </a:rPr>
+              <a:t>Twitter: @itorian | Email: itorian@live.in</a:t>
+            </a:r>
+          </a:p>
+        </p:txBody>
+      </p:sp>
     </p:spTree>
     <p:extLst>
       <p:ext uri="{BB962C8B-B14F-4D97-AF65-F5344CB8AC3E}">
@@ -3266,6 +3366,318 @@
 </file>
 
 <file path=ppt/slides/slide10.xml><?xml version="1.0" encoding="utf-8"?>
+<p:sld xmlns:a="http://schemas.openxmlformats.org/drawingml/2006/main" xmlns:r="http://schemas.openxmlformats.org/officeDocument/2006/relationships" xmlns:p="http://schemas.openxmlformats.org/presentationml/2006/main">
+  <p:cSld>
+    <p:spTree>
+      <p:nvGrpSpPr>
+        <p:cNvPr id="1" name=""/>
+        <p:cNvGrpSpPr/>
+        <p:nvPr/>
+      </p:nvGrpSpPr>
+      <p:grpSpPr>
+        <a:xfrm>
+          <a:off x="0" y="0"/>
+          <a:ext cx="0" cy="0"/>
+          <a:chOff x="0" y="0"/>
+          <a:chExt cx="0" cy="0"/>
+        </a:xfrm>
+      </p:grpSpPr>
+      <p:sp>
+        <p:nvSpPr>
+          <p:cNvPr id="3" name="Title 2"/>
+          <p:cNvSpPr>
+            <a:spLocks noGrp="1"/>
+          </p:cNvSpPr>
+          <p:nvPr>
+            <p:ph type="title"/>
+          </p:nvPr>
+        </p:nvSpPr>
+        <p:spPr>
+          <a:xfrm>
+            <a:off x="457200" y="33338"/>
+            <a:ext cx="9329738" cy="1145950"/>
+          </a:xfrm>
+        </p:spPr>
+        <p:txBody>
+          <a:bodyPr/>
+          <a:lstStyle/>
+          <a:p>
+            <a:r>
+              <a:rPr lang="en-US" dirty="0"/>
+              <a:t>Flavors of IdentityServer</a:t>
+            </a:r>
+          </a:p>
+        </p:txBody>
+      </p:sp>
+      <p:pic>
+        <p:nvPicPr>
+          <p:cNvPr id="6" name="Picture 5"/>
+          <p:cNvPicPr>
+            <a:picLocks noChangeAspect="1"/>
+          </p:cNvPicPr>
+          <p:nvPr/>
+        </p:nvPicPr>
+        <p:blipFill>
+          <a:blip r:embed="rId2">
+            <a:extLst>
+              <a:ext uri="{28A0092B-C50C-407E-A947-70E740481C1C}">
+                <a14:useLocalDpi xmlns:a14="http://schemas.microsoft.com/office/drawing/2010/main" val="0"/>
+              </a:ext>
+            </a:extLst>
+          </a:blip>
+          <a:stretch>
+            <a:fillRect/>
+          </a:stretch>
+        </p:blipFill>
+        <p:spPr>
+          <a:xfrm>
+            <a:off x="9977723" y="271048"/>
+            <a:ext cx="785527" cy="621875"/>
+          </a:xfrm>
+          <a:prstGeom prst="rect">
+            <a:avLst/>
+          </a:prstGeom>
+        </p:spPr>
+      </p:pic>
+      <p:sp>
+        <p:nvSpPr>
+          <p:cNvPr id="7" name="TextBox 6"/>
+          <p:cNvSpPr txBox="1"/>
+          <p:nvPr/>
+        </p:nvSpPr>
+        <p:spPr>
+          <a:xfrm>
+            <a:off x="912495" y="1690688"/>
+            <a:ext cx="10408920" cy="3293209"/>
+          </a:xfrm>
+          <a:prstGeom prst="rect">
+            <a:avLst/>
+          </a:prstGeom>
+          <a:noFill/>
+        </p:spPr>
+        <p:txBody>
+          <a:bodyPr wrap="square" rtlCol="0">
+            <a:spAutoFit/>
+          </a:bodyPr>
+          <a:lstStyle/>
+          <a:p>
+            <a:pPr marL="457200" indent="-457200">
+              <a:buFont typeface="Wingdings" panose="05000000000000000000" pitchFamily="2" charset="2"/>
+              <a:buChar char="§"/>
+            </a:pPr>
+            <a:r>
+              <a:rPr lang="en-US" sz="3200" dirty="0"/>
+              <a:t>IdentityServer3 (released: Jan, 2015)</a:t>
+            </a:r>
+          </a:p>
+          <a:p>
+            <a:r>
+              <a:rPr lang="en-US" sz="2400" dirty="0"/>
+              <a:t>       OWIN/Katana</a:t>
+            </a:r>
+          </a:p>
+          <a:p>
+            <a:r>
+              <a:rPr lang="en-US" sz="3200" dirty="0"/>
+              <a:t>     </a:t>
+            </a:r>
+            <a:r>
+              <a:rPr lang="en-US" sz="2400" dirty="0"/>
+              <a:t>.NET 4.5, ASP.NET 5 (full .NET Framework only), Mono</a:t>
+            </a:r>
+          </a:p>
+          <a:p>
+            <a:endParaRPr lang="en-US" sz="3200" dirty="0"/>
+          </a:p>
+          <a:p>
+            <a:pPr marL="457200" indent="-457200">
+              <a:buFont typeface="Wingdings" panose="05000000000000000000" pitchFamily="2" charset="2"/>
+              <a:buChar char="§"/>
+            </a:pPr>
+            <a:r>
+              <a:rPr lang="en-US" sz="3200" dirty="0"/>
+              <a:t>IdentityServer4 (released: same time as ASP.NET 5)</a:t>
+            </a:r>
+          </a:p>
+          <a:p>
+            <a:r>
+              <a:rPr lang="en-US" sz="3200" dirty="0"/>
+              <a:t>     </a:t>
+            </a:r>
+            <a:r>
+              <a:rPr lang="en-US" sz="2400" dirty="0"/>
+              <a:t>ASP.NET 5</a:t>
+            </a:r>
+          </a:p>
+          <a:p>
+            <a:r>
+              <a:rPr lang="en-US" sz="2400" dirty="0"/>
+              <a:t>     .NET Core, full .NET Framework</a:t>
+            </a:r>
+          </a:p>
+        </p:txBody>
+      </p:sp>
+    </p:spTree>
+    <p:extLst>
+      <p:ext uri="{BB962C8B-B14F-4D97-AF65-F5344CB8AC3E}">
+        <p14:creationId xmlns:p14="http://schemas.microsoft.com/office/powerpoint/2010/main" val="3423423560"/>
+      </p:ext>
+    </p:extLst>
+  </p:cSld>
+  <p:clrMapOvr>
+    <a:masterClrMapping/>
+  </p:clrMapOvr>
+</p:sld>
+</file>
+
+<file path=ppt/slides/slide11.xml><?xml version="1.0" encoding="utf-8"?>
+<p:sld xmlns:a="http://schemas.openxmlformats.org/drawingml/2006/main" xmlns:r="http://schemas.openxmlformats.org/officeDocument/2006/relationships" xmlns:p="http://schemas.openxmlformats.org/presentationml/2006/main">
+  <p:cSld>
+    <p:spTree>
+      <p:nvGrpSpPr>
+        <p:cNvPr id="1" name=""/>
+        <p:cNvGrpSpPr/>
+        <p:nvPr/>
+      </p:nvGrpSpPr>
+      <p:grpSpPr>
+        <a:xfrm>
+          <a:off x="0" y="0"/>
+          <a:ext cx="0" cy="0"/>
+          <a:chOff x="0" y="0"/>
+          <a:chExt cx="0" cy="0"/>
+        </a:xfrm>
+      </p:grpSpPr>
+      <p:sp>
+        <p:nvSpPr>
+          <p:cNvPr id="3" name="Title 2"/>
+          <p:cNvSpPr>
+            <a:spLocks noGrp="1"/>
+          </p:cNvSpPr>
+          <p:nvPr>
+            <p:ph type="title"/>
+          </p:nvPr>
+        </p:nvSpPr>
+        <p:spPr>
+          <a:xfrm>
+            <a:off x="457200" y="33338"/>
+            <a:ext cx="9329738" cy="1145950"/>
+          </a:xfrm>
+        </p:spPr>
+        <p:txBody>
+          <a:bodyPr/>
+          <a:lstStyle/>
+          <a:p>
+            <a:r>
+              <a:rPr lang="en-US" dirty="0"/>
+              <a:t>Further reading</a:t>
+            </a:r>
+          </a:p>
+        </p:txBody>
+      </p:sp>
+      <p:pic>
+        <p:nvPicPr>
+          <p:cNvPr id="6" name="Picture 5"/>
+          <p:cNvPicPr>
+            <a:picLocks noChangeAspect="1"/>
+          </p:cNvPicPr>
+          <p:nvPr/>
+        </p:nvPicPr>
+        <p:blipFill>
+          <a:blip r:embed="rId2">
+            <a:extLst>
+              <a:ext uri="{28A0092B-C50C-407E-A947-70E740481C1C}">
+                <a14:useLocalDpi xmlns:a14="http://schemas.microsoft.com/office/drawing/2010/main" val="0"/>
+              </a:ext>
+            </a:extLst>
+          </a:blip>
+          <a:stretch>
+            <a:fillRect/>
+          </a:stretch>
+        </p:blipFill>
+        <p:spPr>
+          <a:xfrm>
+            <a:off x="9977723" y="271048"/>
+            <a:ext cx="785527" cy="621875"/>
+          </a:xfrm>
+          <a:prstGeom prst="rect">
+            <a:avLst/>
+          </a:prstGeom>
+        </p:spPr>
+      </p:pic>
+      <p:sp>
+        <p:nvSpPr>
+          <p:cNvPr id="7" name="TextBox 6"/>
+          <p:cNvSpPr txBox="1"/>
+          <p:nvPr/>
+        </p:nvSpPr>
+        <p:spPr>
+          <a:xfrm>
+            <a:off x="912495" y="1690688"/>
+            <a:ext cx="10408920" cy="3046988"/>
+          </a:xfrm>
+          <a:prstGeom prst="rect">
+            <a:avLst/>
+          </a:prstGeom>
+          <a:noFill/>
+        </p:spPr>
+        <p:txBody>
+          <a:bodyPr wrap="square" rtlCol="0">
+            <a:spAutoFit/>
+          </a:bodyPr>
+          <a:lstStyle/>
+          <a:p>
+            <a:r>
+              <a:rPr lang="en-US" sz="3200" dirty="0"/>
+              <a:t>MVC Step by step: </a:t>
+            </a:r>
+            <a:r>
+              <a:rPr lang="en-US" sz="3200" dirty="0">
+                <a:hlinkClick r:id="rId3"/>
+              </a:rPr>
+              <a:t>https://identityserver.github.io/Documentation/docsv2/overview/mvcGettingStarted.html</a:t>
+            </a:r>
+            <a:r>
+              <a:rPr lang="en-US" sz="3200" dirty="0"/>
+              <a:t> </a:t>
+            </a:r>
+          </a:p>
+          <a:p>
+            <a:endParaRPr lang="en-US" sz="3200" dirty="0"/>
+          </a:p>
+          <a:p>
+            <a:r>
+              <a:rPr lang="en-US" sz="3200" dirty="0"/>
+              <a:t>Samples:</a:t>
+            </a:r>
+          </a:p>
+          <a:p>
+            <a:r>
+              <a:rPr lang="en-US" sz="3200" dirty="0">
+                <a:hlinkClick r:id="rId4"/>
+              </a:rPr>
+              <a:t>https://github.com/IdentityServer/IdentityServer3.Samples</a:t>
+            </a:r>
+            <a:r>
+              <a:rPr lang="en-US" sz="3200" dirty="0"/>
+              <a:t> </a:t>
+            </a:r>
+          </a:p>
+        </p:txBody>
+      </p:sp>
+    </p:spTree>
+    <p:extLst>
+      <p:ext uri="{BB962C8B-B14F-4D97-AF65-F5344CB8AC3E}">
+        <p14:creationId xmlns:p14="http://schemas.microsoft.com/office/powerpoint/2010/main" val="1714279651"/>
+      </p:ext>
+    </p:extLst>
+  </p:cSld>
+  <p:clrMapOvr>
+    <a:masterClrMapping/>
+  </p:clrMapOvr>
+</p:sld>
+</file>
+
+<file path=ppt/slides/slide12.xml><?xml version="1.0" encoding="utf-8"?>
 <p:sld xmlns:a="http://schemas.openxmlformats.org/drawingml/2006/main" xmlns:r="http://schemas.openxmlformats.org/officeDocument/2006/relationships" xmlns:p="http://schemas.openxmlformats.org/presentationml/2006/main">
   <p:cSld>
     <p:spTree>
@@ -3801,7 +4213,7 @@
           <a:p>
             <a:r>
               <a:rPr lang="en-US" dirty="0"/>
-              <a:t>Without Single Sign-On (SSO)</a:t>
+              <a:t>What is IdentityServer?</a:t>
             </a:r>
           </a:p>
         </p:txBody>
@@ -3836,34 +4248,86 @@
           </a:prstGeom>
         </p:spPr>
       </p:pic>
-      <p:pic>
-        <p:nvPicPr>
-          <p:cNvPr id="5" name="Picture 4"/>
-          <p:cNvPicPr>
-            <a:picLocks noChangeAspect="1"/>
-          </p:cNvPicPr>
+      <p:sp>
+        <p:nvSpPr>
+          <p:cNvPr id="7" name="TextBox 6"/>
+          <p:cNvSpPr txBox="1"/>
           <p:nvPr/>
-        </p:nvPicPr>
-        <p:blipFill>
-          <a:blip r:embed="rId3"/>
-          <a:stretch>
-            <a:fillRect/>
-          </a:stretch>
-        </p:blipFill>
-        <p:spPr>
-          <a:xfrm>
-            <a:off x="971550" y="1774623"/>
-            <a:ext cx="9686925" cy="4508777"/>
+        </p:nvSpPr>
+        <p:spPr>
+          <a:xfrm>
+            <a:off x="912495" y="1690688"/>
+            <a:ext cx="10408920" cy="4955203"/>
           </a:xfrm>
           <a:prstGeom prst="rect">
             <a:avLst/>
           </a:prstGeom>
-        </p:spPr>
-      </p:pic>
+          <a:noFill/>
+        </p:spPr>
+        <p:txBody>
+          <a:bodyPr wrap="square" rtlCol="0">
+            <a:spAutoFit/>
+          </a:bodyPr>
+          <a:lstStyle/>
+          <a:p>
+            <a:pPr marL="457200" indent="-457200">
+              <a:buFont typeface="Wingdings" panose="05000000000000000000" pitchFamily="2" charset="2"/>
+              <a:buChar char="§"/>
+            </a:pPr>
+            <a:r>
+              <a:rPr lang="en-US" sz="3200" dirty="0"/>
+              <a:t>OpenID Connect</a:t>
+            </a:r>
+          </a:p>
+          <a:p>
+            <a:r>
+              <a:rPr lang="en-US" sz="2800" dirty="0"/>
+              <a:t>OpenID Connect was created for federated authentication, that is, letting a third-party authenticate your users for you, by using accounts they already have.</a:t>
+            </a:r>
+          </a:p>
+          <a:p>
+            <a:endParaRPr lang="en-US" sz="2800" dirty="0"/>
+          </a:p>
+          <a:p>
+            <a:pPr marL="457200" indent="-457200">
+              <a:buFont typeface="Wingdings" panose="05000000000000000000" pitchFamily="2" charset="2"/>
+              <a:buChar char="§"/>
+            </a:pPr>
+            <a:r>
+              <a:rPr lang="en-US" sz="3200" dirty="0"/>
+              <a:t>OAuth2</a:t>
+            </a:r>
+          </a:p>
+          <a:p>
+            <a:r>
+              <a:rPr lang="en-US" sz="2800" dirty="0"/>
+              <a:t>OAuth2 was created to remove the need for users to share their passwords with third-party applications.</a:t>
+            </a:r>
+          </a:p>
+          <a:p>
+            <a:endParaRPr lang="en-US" sz="2800" dirty="0"/>
+          </a:p>
+          <a:p>
+            <a:r>
+              <a:rPr lang="en-US" sz="2400" dirty="0">
+                <a:solidFill>
+                  <a:srgbClr val="FF0000"/>
+                </a:solidFill>
+              </a:rPr>
+              <a:t>Note: </a:t>
+            </a:r>
+            <a:r>
+              <a:rPr lang="en-US" sz="2400" dirty="0"/>
+              <a:t>IdentityServer is OIDC Framework, with OAuth2 powered, so that your users may use OAuth2 on top of your OIDC.</a:t>
+            </a:r>
+            <a:endParaRPr lang="en-US" sz="2400" dirty="0"/>
+          </a:p>
+        </p:txBody>
+      </p:sp>
     </p:spTree>
     <p:extLst>
       <p:ext uri="{BB962C8B-B14F-4D97-AF65-F5344CB8AC3E}">
-        <p14:creationId xmlns:p14="http://schemas.microsoft.com/office/powerpoint/2010/main" val="1804462133"/>
+        <p14:creationId xmlns:p14="http://schemas.microsoft.com/office/powerpoint/2010/main" val="336107949"/>
       </p:ext>
     </p:extLst>
   </p:cSld>
@@ -3912,7 +4376,7 @@
           <a:p>
             <a:r>
               <a:rPr lang="en-US" dirty="0"/>
-              <a:t>Single Sign-On with token service</a:t>
+              <a:t>Without Single Sign-On (SSO)</a:t>
             </a:r>
           </a:p>
         </p:txBody>
@@ -3949,7 +4413,7 @@
       </p:pic>
       <p:pic>
         <p:nvPicPr>
-          <p:cNvPr id="2" name="Picture 1"/>
+          <p:cNvPr id="5" name="Picture 4"/>
           <p:cNvPicPr>
             <a:picLocks noChangeAspect="1"/>
           </p:cNvPicPr>
@@ -3963,8 +4427,8 @@
         </p:blipFill>
         <p:spPr>
           <a:xfrm>
-            <a:off x="960120" y="1769488"/>
-            <a:ext cx="10115550" cy="4716802"/>
+            <a:off x="971550" y="1774623"/>
+            <a:ext cx="9686925" cy="4508777"/>
           </a:xfrm>
           <a:prstGeom prst="rect">
             <a:avLst/>
@@ -3974,7 +4438,7 @@
     </p:spTree>
     <p:extLst>
       <p:ext uri="{BB962C8B-B14F-4D97-AF65-F5344CB8AC3E}">
-        <p14:creationId xmlns:p14="http://schemas.microsoft.com/office/powerpoint/2010/main" val="4066122463"/>
+        <p14:creationId xmlns:p14="http://schemas.microsoft.com/office/powerpoint/2010/main" val="1804462133"/>
       </p:ext>
     </p:extLst>
   </p:cSld>
@@ -4023,9 +4487,8 @@
           <a:p>
             <a:r>
               <a:rPr lang="en-US" dirty="0"/>
-              <a:t>API Security with IdentityServer</a:t>
-            </a:r>
-            <a:endParaRPr lang="en-US" dirty="0"/>
+              <a:t>Single Sign-On with token service</a:t>
+            </a:r>
           </a:p>
         </p:txBody>
       </p:sp>
@@ -4061,7 +4524,7 @@
       </p:pic>
       <p:pic>
         <p:nvPicPr>
-          <p:cNvPr id="5" name="Picture 4"/>
+          <p:cNvPr id="2" name="Picture 1"/>
           <p:cNvPicPr>
             <a:picLocks noChangeAspect="1"/>
           </p:cNvPicPr>
@@ -4075,8 +4538,8 @@
         </p:blipFill>
         <p:spPr>
           <a:xfrm>
-            <a:off x="982980" y="1989664"/>
-            <a:ext cx="9086850" cy="4394507"/>
+            <a:off x="960120" y="1769488"/>
+            <a:ext cx="10115550" cy="4716802"/>
           </a:xfrm>
           <a:prstGeom prst="rect">
             <a:avLst/>
@@ -4086,7 +4549,7 @@
     </p:spTree>
     <p:extLst>
       <p:ext uri="{BB962C8B-B14F-4D97-AF65-F5344CB8AC3E}">
-        <p14:creationId xmlns:p14="http://schemas.microsoft.com/office/powerpoint/2010/main" val="3045230704"/>
+        <p14:creationId xmlns:p14="http://schemas.microsoft.com/office/powerpoint/2010/main" val="4066122463"/>
       </p:ext>
     </p:extLst>
   </p:cSld>
@@ -4135,9 +4598,8 @@
           <a:p>
             <a:r>
               <a:rPr lang="en-US" dirty="0"/>
-              <a:t>IdentityServer object model</a:t>
-            </a:r>
-            <a:endParaRPr lang="en-US" dirty="0"/>
+              <a:t>API Security with IdentityServer</a:t>
+            </a:r>
           </a:p>
         </p:txBody>
       </p:sp>
@@ -4173,7 +4635,7 @@
       </p:pic>
       <p:pic>
         <p:nvPicPr>
-          <p:cNvPr id="2" name="Picture 1"/>
+          <p:cNvPr id="5" name="Picture 4"/>
           <p:cNvPicPr>
             <a:picLocks noChangeAspect="1"/>
           </p:cNvPicPr>
@@ -4187,8 +4649,8 @@
         </p:blipFill>
         <p:spPr>
           <a:xfrm>
-            <a:off x="363181" y="1611630"/>
-            <a:ext cx="7125960" cy="4760595"/>
+            <a:off x="982980" y="1989664"/>
+            <a:ext cx="9086850" cy="4394507"/>
           </a:xfrm>
           <a:prstGeom prst="rect">
             <a:avLst/>
@@ -4198,7 +4660,7 @@
     </p:spTree>
     <p:extLst>
       <p:ext uri="{BB962C8B-B14F-4D97-AF65-F5344CB8AC3E}">
-        <p14:creationId xmlns:p14="http://schemas.microsoft.com/office/powerpoint/2010/main" val="1546853081"/>
+        <p14:creationId xmlns:p14="http://schemas.microsoft.com/office/powerpoint/2010/main" val="3045230704"/>
       </p:ext>
     </p:extLst>
   </p:cSld>
@@ -4242,16 +4704,13 @@
           </a:xfrm>
         </p:spPr>
         <p:txBody>
-          <a:bodyPr>
-            <a:normAutofit/>
-          </a:bodyPr>
+          <a:bodyPr/>
           <a:lstStyle/>
           <a:p>
             <a:r>
               <a:rPr lang="en-US" dirty="0"/>
-              <a:t>IdentityServer Architecture</a:t>
-            </a:r>
-            <a:endParaRPr lang="en-US" dirty="0"/>
+              <a:t>IdentityServer object model</a:t>
+            </a:r>
           </a:p>
         </p:txBody>
       </p:sp>
@@ -4287,7 +4746,7 @@
       </p:pic>
       <p:pic>
         <p:nvPicPr>
-          <p:cNvPr id="4" name="Picture 3"/>
+          <p:cNvPr id="2" name="Picture 1"/>
           <p:cNvPicPr>
             <a:picLocks noChangeAspect="1"/>
           </p:cNvPicPr>
@@ -4301,8 +4760,8 @@
         </p:blipFill>
         <p:spPr>
           <a:xfrm>
-            <a:off x="1625600" y="2189906"/>
-            <a:ext cx="6806670" cy="3937843"/>
+            <a:off x="363181" y="1611630"/>
+            <a:ext cx="7125960" cy="4760595"/>
           </a:xfrm>
           <a:prstGeom prst="rect">
             <a:avLst/>
@@ -4312,7 +4771,7 @@
     </p:spTree>
     <p:extLst>
       <p:ext uri="{BB962C8B-B14F-4D97-AF65-F5344CB8AC3E}">
-        <p14:creationId xmlns:p14="http://schemas.microsoft.com/office/powerpoint/2010/main" val="768606450"/>
+        <p14:creationId xmlns:p14="http://schemas.microsoft.com/office/powerpoint/2010/main" val="1546853081"/>
       </p:ext>
     </p:extLst>
   </p:cSld>
@@ -4356,14 +4815,15 @@
           </a:xfrm>
         </p:spPr>
         <p:txBody>
-          <a:bodyPr/>
+          <a:bodyPr>
+            <a:normAutofit/>
+          </a:bodyPr>
           <a:lstStyle/>
           <a:p>
             <a:r>
               <a:rPr lang="en-US" dirty="0"/>
-              <a:t>Flavors of IdentityServer</a:t>
-            </a:r>
-            <a:endParaRPr lang="en-US" dirty="0"/>
+              <a:t>IdentityServer Architecture</a:t>
+            </a:r>
           </a:p>
         </p:txBody>
       </p:sp>
@@ -4397,63 +4857,63 @@
           </a:prstGeom>
         </p:spPr>
       </p:pic>
-      <p:pic>
-        <p:nvPicPr>
-          <p:cNvPr id="2" name="Picture 1"/>
-          <p:cNvPicPr>
-            <a:picLocks noChangeAspect="1"/>
-          </p:cNvPicPr>
+      <p:sp>
+        <p:nvSpPr>
+          <p:cNvPr id="5" name="TextBox 4"/>
+          <p:cNvSpPr txBox="1"/>
           <p:nvPr/>
-        </p:nvPicPr>
-        <p:blipFill>
-          <a:blip r:embed="rId3"/>
-          <a:stretch>
-            <a:fillRect/>
-          </a:stretch>
-        </p:blipFill>
-        <p:spPr>
-          <a:xfrm>
-            <a:off x="1374246" y="2563446"/>
-            <a:ext cx="7495645" cy="3757888"/>
+        </p:nvSpPr>
+        <p:spPr>
+          <a:xfrm>
+            <a:off x="912495" y="1690688"/>
+            <a:ext cx="10408920" cy="2554545"/>
           </a:xfrm>
           <a:prstGeom prst="rect">
             <a:avLst/>
           </a:prstGeom>
-        </p:spPr>
-      </p:pic>
-      <p:sp>
-        <p:nvSpPr>
-          <p:cNvPr id="4" name="Rectangle 3"/>
-          <p:cNvSpPr/>
-          <p:nvPr/>
-        </p:nvSpPr>
-        <p:spPr>
-          <a:xfrm>
-            <a:off x="2162175" y="1682800"/>
-            <a:ext cx="6096000" cy="646331"/>
-          </a:xfrm>
-          <a:prstGeom prst="rect">
-            <a:avLst/>
-          </a:prstGeom>
-        </p:spPr>
-        <p:txBody>
-          <a:bodyPr>
+          <a:noFill/>
+        </p:spPr>
+        <p:txBody>
+          <a:bodyPr wrap="square" rtlCol="0">
             <a:spAutoFit/>
           </a:bodyPr>
           <a:lstStyle/>
           <a:p>
-            <a:r>
-              <a:rPr lang="en-US" dirty="0"/>
-              <a:t>https://identityserver.github.io/Documentation/docsv2/overview/mvcGettingStarted.html</a:t>
-            </a:r>
-            <a:endParaRPr lang="en-US" dirty="0"/>
+            <a:pPr marL="457200" indent="-457200">
+              <a:buFont typeface="Wingdings" panose="05000000000000000000" pitchFamily="2" charset="2"/>
+              <a:buChar char="§"/>
+            </a:pPr>
+            <a:r>
+              <a:rPr lang="en-US" sz="3200" dirty="0"/>
+              <a:t>Designed as middleware, requires developer to build host</a:t>
+            </a:r>
+          </a:p>
+          <a:p>
+            <a:pPr marL="457200" indent="-457200">
+              <a:buFont typeface="Wingdings" panose="05000000000000000000" pitchFamily="2" charset="2"/>
+              <a:buChar char="§"/>
+            </a:pPr>
+            <a:r>
+              <a:rPr lang="en-US" sz="3200" dirty="0"/>
+              <a:t>Configuration drives token service, requires developer to provide configuration</a:t>
+            </a:r>
+          </a:p>
+          <a:p>
+            <a:pPr marL="457200" indent="-457200">
+              <a:buFont typeface="Wingdings" panose="05000000000000000000" pitchFamily="2" charset="2"/>
+              <a:buChar char="§"/>
+            </a:pPr>
+            <a:r>
+              <a:rPr lang="en-US" sz="3200" dirty="0"/>
+              <a:t>Many extensibility points, some required and some optional</a:t>
+            </a:r>
           </a:p>
         </p:txBody>
       </p:sp>
     </p:spTree>
     <p:extLst>
       <p:ext uri="{BB962C8B-B14F-4D97-AF65-F5344CB8AC3E}">
-        <p14:creationId xmlns:p14="http://schemas.microsoft.com/office/powerpoint/2010/main" val="3423423560"/>
+        <p14:creationId xmlns:p14="http://schemas.microsoft.com/office/powerpoint/2010/main" val="768606450"/>
       </p:ext>
     </p:extLst>
   </p:cSld>
